--- a/doc/progress_3d_deep_20181011.pptx
+++ b/doc/progress_3d_deep_20181011.pptx
@@ -5,10 +5,10 @@
     <p:sldMasterId id="2147483660" r:id="rId1"/>
   </p:sldMasterIdLst>
   <p:notesMasterIdLst>
-    <p:notesMasterId r:id="rId20"/>
+    <p:notesMasterId r:id="rId21"/>
   </p:notesMasterIdLst>
   <p:handoutMasterIdLst>
-    <p:handoutMasterId r:id="rId21"/>
+    <p:handoutMasterId r:id="rId22"/>
   </p:handoutMasterIdLst>
   <p:sldIdLst>
     <p:sldId id="256" r:id="rId2"/>
@@ -19,16 +19,17 @@
     <p:sldId id="366" r:id="rId7"/>
     <p:sldId id="367" r:id="rId8"/>
     <p:sldId id="368" r:id="rId9"/>
-    <p:sldId id="381" r:id="rId10"/>
-    <p:sldId id="369" r:id="rId11"/>
-    <p:sldId id="370" r:id="rId12"/>
-    <p:sldId id="374" r:id="rId13"/>
-    <p:sldId id="375" r:id="rId14"/>
-    <p:sldId id="372" r:id="rId15"/>
-    <p:sldId id="379" r:id="rId16"/>
-    <p:sldId id="378" r:id="rId17"/>
-    <p:sldId id="376" r:id="rId18"/>
-    <p:sldId id="380" r:id="rId19"/>
+    <p:sldId id="382" r:id="rId10"/>
+    <p:sldId id="381" r:id="rId11"/>
+    <p:sldId id="369" r:id="rId12"/>
+    <p:sldId id="370" r:id="rId13"/>
+    <p:sldId id="374" r:id="rId14"/>
+    <p:sldId id="375" r:id="rId15"/>
+    <p:sldId id="372" r:id="rId16"/>
+    <p:sldId id="379" r:id="rId17"/>
+    <p:sldId id="378" r:id="rId18"/>
+    <p:sldId id="376" r:id="rId19"/>
+    <p:sldId id="380" r:id="rId20"/>
   </p:sldIdLst>
   <p:sldSz cx="9144000" cy="6858000" type="screen4x3"/>
   <p:notesSz cx="9926638" cy="6797675"/>
@@ -217,7 +218,7 @@
           <a:p>
             <a:fld id="{44610169-9691-4474-8A4B-19A90DE42561}" type="datetimeFigureOut">
               <a:rPr lang="ko-KR" altLang="en-US" smtClean="0"/>
-              <a:t>2018-10-11</a:t>
+              <a:t>2018-10-12</a:t>
             </a:fld>
             <a:endParaRPr lang="ko-KR" altLang="en-US"/>
           </a:p>
@@ -382,7 +383,7 @@
           <a:p>
             <a:fld id="{C09288F9-36DB-42F4-8D99-FC6C729829DC}" type="datetimeFigureOut">
               <a:rPr lang="ko-KR" altLang="en-US" smtClean="0"/>
-              <a:t>2018-10-11</a:t>
+              <a:t>2018-10-12</a:t>
             </a:fld>
             <a:endParaRPr lang="ko-KR" altLang="en-US"/>
           </a:p>
@@ -781,7 +782,7 @@
           <a:p>
             <a:fld id="{A577D285-97F1-4167-A1C0-877473EC5878}" type="datetime1">
               <a:rPr lang="ko-KR" altLang="en-US" smtClean="0"/>
-              <a:t>2018-10-11</a:t>
+              <a:t>2018-10-12</a:t>
             </a:fld>
             <a:endParaRPr lang="ko-KR" altLang="en-US"/>
           </a:p>
@@ -951,7 +952,7 @@
           <a:p>
             <a:fld id="{88DE0789-6DE7-4DEF-8D10-9C417EA2254D}" type="datetime1">
               <a:rPr lang="ko-KR" altLang="en-US" smtClean="0"/>
-              <a:t>2018-10-11</a:t>
+              <a:t>2018-10-12</a:t>
             </a:fld>
             <a:endParaRPr lang="ko-KR" altLang="en-US"/>
           </a:p>
@@ -1131,7 +1132,7 @@
           <a:p>
             <a:fld id="{F9AA1D02-23D4-400D-85E4-BA30CAD8977B}" type="datetime1">
               <a:rPr lang="ko-KR" altLang="en-US" smtClean="0"/>
-              <a:t>2018-10-11</a:t>
+              <a:t>2018-10-12</a:t>
             </a:fld>
             <a:endParaRPr lang="ko-KR" altLang="en-US"/>
           </a:p>
@@ -1353,7 +1354,7 @@
           <a:p>
             <a:fld id="{A7320C7E-E08F-4A60-8AC4-92BD9C8D7AB7}" type="datetime1">
               <a:rPr lang="ko-KR" altLang="en-US" smtClean="0"/>
-              <a:t>2018-10-11</a:t>
+              <a:t>2018-10-12</a:t>
             </a:fld>
             <a:endParaRPr lang="ko-KR" altLang="en-US"/>
           </a:p>
@@ -1613,7 +1614,7 @@
           <a:p>
             <a:fld id="{4F1A60F2-ABB1-4DFD-8496-BD501D720032}" type="datetime1">
               <a:rPr lang="ko-KR" altLang="en-US" smtClean="0"/>
-              <a:t>2018-10-11</a:t>
+              <a:t>2018-10-12</a:t>
             </a:fld>
             <a:endParaRPr lang="ko-KR" altLang="en-US"/>
           </a:p>
@@ -1845,7 +1846,7 @@
           <a:p>
             <a:fld id="{3577904F-5250-4828-AA9F-FD8D0F00958A}" type="datetime1">
               <a:rPr lang="ko-KR" altLang="en-US" smtClean="0"/>
-              <a:t>2018-10-11</a:t>
+              <a:t>2018-10-12</a:t>
             </a:fld>
             <a:endParaRPr lang="ko-KR" altLang="en-US"/>
           </a:p>
@@ -2212,7 +2213,7 @@
           <a:p>
             <a:fld id="{08789DEB-A34C-4644-BCD4-DCC4FF195F5F}" type="datetime1">
               <a:rPr lang="ko-KR" altLang="en-US" smtClean="0"/>
-              <a:t>2018-10-11</a:t>
+              <a:t>2018-10-12</a:t>
             </a:fld>
             <a:endParaRPr lang="ko-KR" altLang="en-US"/>
           </a:p>
@@ -2330,7 +2331,7 @@
           <a:p>
             <a:fld id="{73764EB7-E40E-402A-A75A-82B22610D114}" type="datetime1">
               <a:rPr lang="ko-KR" altLang="en-US" smtClean="0"/>
-              <a:t>2018-10-11</a:t>
+              <a:t>2018-10-12</a:t>
             </a:fld>
             <a:endParaRPr lang="ko-KR" altLang="en-US"/>
           </a:p>
@@ -2425,7 +2426,7 @@
           <a:p>
             <a:fld id="{2BEC69EC-6D12-4817-A0D1-B2EECA7FA19E}" type="datetime1">
               <a:rPr lang="ko-KR" altLang="en-US" smtClean="0"/>
-              <a:t>2018-10-11</a:t>
+              <a:t>2018-10-12</a:t>
             </a:fld>
             <a:endParaRPr lang="ko-KR" altLang="en-US"/>
           </a:p>
@@ -2702,7 +2703,7 @@
           <a:p>
             <a:fld id="{EA99E470-6514-4E29-99B7-E66E85A47A30}" type="datetime1">
               <a:rPr lang="ko-KR" altLang="en-US" smtClean="0"/>
-              <a:t>2018-10-11</a:t>
+              <a:t>2018-10-12</a:t>
             </a:fld>
             <a:endParaRPr lang="ko-KR" altLang="en-US"/>
           </a:p>
@@ -2959,7 +2960,7 @@
           <a:p>
             <a:fld id="{2EA45135-BA18-4F1C-92EA-97E459F62ACE}" type="datetime1">
               <a:rPr lang="ko-KR" altLang="en-US" smtClean="0"/>
-              <a:t>2018-10-11</a:t>
+              <a:t>2018-10-12</a:t>
             </a:fld>
             <a:endParaRPr lang="ko-KR" altLang="en-US"/>
           </a:p>
@@ -3172,7 +3173,7 @@
           <a:p>
             <a:fld id="{A468408C-7D7F-4A92-9491-E5C9D648456F}" type="datetime1">
               <a:rPr lang="ko-KR" altLang="en-US" smtClean="0"/>
-              <a:t>2018-10-11</a:t>
+              <a:t>2018-10-12</a:t>
             </a:fld>
             <a:endParaRPr lang="ko-KR" altLang="en-US"/>
           </a:p>
@@ -3724,75 +3725,6 @@
           </a:p>
         </p:txBody>
       </p:sp>
-      <p:sp>
-        <p:nvSpPr>
-          <p:cNvPr id="5" name="Rectangle 4"/>
-          <p:cNvSpPr/>
-          <p:nvPr/>
-        </p:nvSpPr>
-        <p:spPr>
-          <a:xfrm>
-            <a:off x="8352000" y="0"/>
-            <a:ext cx="792000" cy="383822"/>
-          </a:xfrm>
-          <a:prstGeom prst="rect">
-            <a:avLst/>
-          </a:prstGeom>
-          <a:noFill/>
-          <a:ln>
-            <a:solidFill>
-              <a:srgbClr val="FF0000"/>
-            </a:solidFill>
-          </a:ln>
-        </p:spPr>
-        <p:style>
-          <a:lnRef idx="2">
-            <a:schemeClr val="accent1">
-              <a:shade val="50000"/>
-            </a:schemeClr>
-          </a:lnRef>
-          <a:fillRef idx="1">
-            <a:schemeClr val="accent1"/>
-          </a:fillRef>
-          <a:effectRef idx="0">
-            <a:schemeClr val="accent1"/>
-          </a:effectRef>
-          <a:fontRef idx="minor">
-            <a:schemeClr val="lt1"/>
-          </a:fontRef>
-        </p:style>
-        <p:txBody>
-          <a:bodyPr rtlCol="0" anchor="ctr"/>
-          <a:lstStyle/>
-          <a:p>
-            <a:pPr algn="ctr"/>
-            <a:r>
-              <a:rPr lang="en-US" altLang="ko-KR" sz="1400" dirty="0" err="1">
-                <a:solidFill>
-                  <a:schemeClr val="tx1"/>
-                </a:solidFill>
-                <a:latin typeface="MS Reference Sans Serif" panose="020B0604030504040204" pitchFamily="34" charset="0"/>
-              </a:rPr>
-              <a:t>Ver</a:t>
-            </a:r>
-            <a:r>
-              <a:rPr lang="en-US" altLang="ko-KR" sz="1400" dirty="0">
-                <a:solidFill>
-                  <a:schemeClr val="tx1"/>
-                </a:solidFill>
-                <a:latin typeface="MS Reference Sans Serif" panose="020B0604030504040204" pitchFamily="34" charset="0"/>
-              </a:rPr>
-              <a:t> 1</a:t>
-            </a:r>
-            <a:endParaRPr lang="ko-KR" altLang="en-US" sz="1400" dirty="0">
-              <a:solidFill>
-                <a:schemeClr val="tx1"/>
-              </a:solidFill>
-              <a:latin typeface="MS Reference Sans Serif" panose="020B0604030504040204" pitchFamily="34" charset="0"/>
-            </a:endParaRPr>
-          </a:p>
-        </p:txBody>
-      </p:sp>
     </p:spTree>
     <p:extLst>
       <p:ext uri="{BB962C8B-B14F-4D97-AF65-F5344CB8AC3E}">
@@ -3825,13 +3757,7 @@
       </p:grpSpPr>
       <p:sp>
         <p:nvSpPr>
-          <p:cNvPr id="2" name="Title 1">
-            <a:extLst>
-              <a:ext uri="{FF2B5EF4-FFF2-40B4-BE49-F238E27FC236}">
-                <a16:creationId xmlns:a16="http://schemas.microsoft.com/office/drawing/2014/main" id="{817A2C5A-0930-473B-8AA9-EFDC306F94E8}"/>
-              </a:ext>
-            </a:extLst>
-          </p:cNvPr>
+          <p:cNvPr id="2" name="Title 1"/>
           <p:cNvSpPr>
             <a:spLocks noGrp="1"/>
           </p:cNvSpPr>
@@ -3845,189 +3771,270 @@
           <a:lstStyle/>
           <a:p>
             <a:r>
-              <a:rPr lang="en-CA" dirty="0"/>
-              <a:t>Key Papers</a:t>
-            </a:r>
-          </a:p>
-        </p:txBody>
-      </p:sp>
-      <p:sp>
-        <p:nvSpPr>
-          <p:cNvPr id="3" name="Content Placeholder 2">
-            <a:extLst>
-              <a:ext uri="{FF2B5EF4-FFF2-40B4-BE49-F238E27FC236}">
-                <a16:creationId xmlns:a16="http://schemas.microsoft.com/office/drawing/2014/main" id="{81CF7DD7-3B0D-4BC3-A89E-D955288863EF}"/>
-              </a:ext>
-            </a:extLst>
-          </p:cNvPr>
-          <p:cNvSpPr>
-            <a:spLocks noGrp="1"/>
-          </p:cNvSpPr>
+              <a:rPr lang="en-US" altLang="ko-KR" dirty="0" smtClean="0"/>
+              <a:t>Clarifying the Task </a:t>
+            </a:r>
+            <a:endParaRPr lang="ko-KR" altLang="en-US" dirty="0"/>
+          </a:p>
+        </p:txBody>
+      </p:sp>
+      <p:graphicFrame>
+        <p:nvGraphicFramePr>
+          <p:cNvPr id="5" name="Content Placeholder 4"/>
+          <p:cNvGraphicFramePr>
+            <a:graphicFrameLocks noGrp="1"/>
+          </p:cNvGraphicFramePr>
           <p:nvPr>
             <p:ph idx="1"/>
-          </p:nvPr>
-        </p:nvSpPr>
-        <p:spPr/>
-        <p:txBody>
-          <a:bodyPr>
-            <a:normAutofit/>
-          </a:bodyPr>
-          <a:lstStyle/>
-          <a:p>
-            <a:r>
-              <a:rPr lang="en-US" altLang="ko-KR" dirty="0"/>
-              <a:t>Point cloud segmentation</a:t>
-            </a:r>
-          </a:p>
-          <a:p>
-            <a:pPr lvl="1"/>
-            <a:r>
-              <a:rPr lang="en-CA" altLang="ko-KR" dirty="0" err="1"/>
-              <a:t>PointNet</a:t>
-            </a:r>
-            <a:r>
-              <a:rPr lang="en-CA" altLang="ko-KR" dirty="0"/>
-              <a:t>: Deep Learning on Point Sets for 3D Classification and Segmentation</a:t>
-            </a:r>
-            <a:br>
-              <a:rPr lang="en-CA" altLang="ko-KR" dirty="0"/>
-            </a:br>
-            <a:r>
-              <a:rPr lang="en-CA" altLang="ko-KR" dirty="0">
-                <a:hlinkClick r:id="rId2"/>
-              </a:rPr>
-              <a:t>https://github.com/charlesq34/pointnet</a:t>
-            </a:r>
-            <a:r>
-              <a:rPr lang="en-CA" altLang="ko-KR" dirty="0"/>
-              <a:t/>
-            </a:r>
-            <a:br>
-              <a:rPr lang="en-CA" altLang="ko-KR" dirty="0"/>
-            </a:br>
-            <a:r>
-              <a:rPr lang="en-CA" altLang="ko-KR" dirty="0"/>
-              <a:t>*Both used in the two following papers</a:t>
-            </a:r>
-          </a:p>
-          <a:p>
-            <a:pPr lvl="1"/>
-            <a:endParaRPr lang="en-US" altLang="ko-KR" dirty="0"/>
-          </a:p>
-          <a:p>
-            <a:pPr lvl="1"/>
-            <a:r>
-              <a:rPr lang="en-US" altLang="ko-KR" dirty="0" err="1"/>
-              <a:t>PointNet</a:t>
-            </a:r>
-            <a:r>
-              <a:rPr lang="en-US" altLang="ko-KR" dirty="0"/>
-              <a:t>++: deep hierarchical feature learning on point sets </a:t>
-            </a:r>
-            <a:br>
-              <a:rPr lang="en-US" altLang="ko-KR" dirty="0"/>
-            </a:br>
-            <a:r>
-              <a:rPr lang="en-US" altLang="ko-KR" dirty="0"/>
-              <a:t>in a metric space</a:t>
-            </a:r>
-            <a:br>
-              <a:rPr lang="en-US" altLang="ko-KR" dirty="0"/>
-            </a:br>
-            <a:r>
-              <a:rPr lang="en-US" altLang="ko-KR" dirty="0">
-                <a:hlinkClick r:id="rId3"/>
-              </a:rPr>
-              <a:t>https://github.com/charlesq34/pointnet2</a:t>
-            </a:r>
-            <a:r>
-              <a:rPr lang="en-US" altLang="ko-KR" dirty="0"/>
-              <a:t/>
-            </a:r>
-            <a:br>
-              <a:rPr lang="en-US" altLang="ko-KR" dirty="0"/>
-            </a:br>
-            <a:r>
-              <a:rPr lang="en-US" altLang="ko-KR" dirty="0"/>
-              <a:t>*Rank 4 in </a:t>
-            </a:r>
-            <a:r>
-              <a:rPr lang="en-US" altLang="ko-KR" dirty="0">
-                <a:hlinkClick r:id="rId4"/>
-              </a:rPr>
-              <a:t>http://www.semantic3d.net/</a:t>
-            </a:r>
-            <a:endParaRPr lang="en-US" altLang="ko-KR" dirty="0"/>
-          </a:p>
-          <a:p>
-            <a:pPr lvl="1"/>
-            <a:endParaRPr lang="en-US" altLang="ko-KR" dirty="0"/>
-          </a:p>
-          <a:p>
-            <a:pPr lvl="1"/>
-            <a:r>
-              <a:rPr lang="en-US" altLang="ko-KR" dirty="0"/>
-              <a:t>Large-scale point cloud segmentation with </a:t>
-            </a:r>
-            <a:r>
-              <a:rPr lang="en-US" altLang="ko-KR" dirty="0" err="1"/>
-              <a:t>superpoint</a:t>
-            </a:r>
-            <a:r>
-              <a:rPr lang="en-US" altLang="ko-KR" dirty="0"/>
-              <a:t> graphs </a:t>
-            </a:r>
-            <a:br>
-              <a:rPr lang="en-US" altLang="ko-KR" dirty="0"/>
-            </a:br>
-            <a:r>
-              <a:rPr lang="en-US" altLang="ko-KR" dirty="0">
-                <a:hlinkClick r:id="rId5"/>
-              </a:rPr>
-              <a:t>https://github.com/loicland/superpoint_graph</a:t>
-            </a:r>
-            <a:r>
-              <a:rPr lang="en-US" altLang="ko-KR" dirty="0"/>
-              <a:t/>
-            </a:r>
-            <a:br>
-              <a:rPr lang="en-US" altLang="ko-KR" dirty="0"/>
-            </a:br>
-            <a:r>
-              <a:rPr lang="en-US" altLang="ko-KR" dirty="0"/>
-              <a:t>*Rank 1 in </a:t>
-            </a:r>
-            <a:r>
-              <a:rPr lang="en-US" altLang="ko-KR" dirty="0">
-                <a:hlinkClick r:id="rId4"/>
-              </a:rPr>
-              <a:t>http://www.semantic3d.net/</a:t>
-            </a:r>
-            <a:endParaRPr lang="en-US" altLang="ko-KR" dirty="0"/>
-          </a:p>
-          <a:p>
-            <a:pPr lvl="1"/>
-            <a:endParaRPr lang="en-US" altLang="ko-KR" dirty="0"/>
-          </a:p>
-          <a:p>
-            <a:pPr lvl="1"/>
-            <a:endParaRPr lang="en-CA" altLang="ko-KR" dirty="0"/>
-          </a:p>
-          <a:p>
-            <a:pPr lvl="1"/>
-            <a:endParaRPr lang="en-CA" dirty="0"/>
-          </a:p>
-        </p:txBody>
-      </p:sp>
-      <p:sp>
-        <p:nvSpPr>
-          <p:cNvPr id="4" name="Slide Number Placeholder 3">
-            <a:extLst>
-              <a:ext uri="{FF2B5EF4-FFF2-40B4-BE49-F238E27FC236}">
-                <a16:creationId xmlns:a16="http://schemas.microsoft.com/office/drawing/2014/main" id="{F0EDD8E4-2E6A-4CE8-85E5-D52CAE6DE3C7}"/>
-              </a:ext>
-            </a:extLst>
-          </p:cNvPr>
+            <p:extLst>
+              <p:ext uri="{D42A27DB-BD31-4B8C-83A1-F6EECF244321}">
+                <p14:modId xmlns:p14="http://schemas.microsoft.com/office/powerpoint/2010/main" val="2911115044"/>
+              </p:ext>
+            </p:extLst>
+          </p:nvPr>
+        </p:nvGraphicFramePr>
+        <p:xfrm>
+          <a:off x="628650" y="1953419"/>
+          <a:ext cx="7886700" cy="2951162"/>
+        </p:xfrm>
+        <a:graphic>
+          <a:graphicData uri="http://schemas.openxmlformats.org/drawingml/2006/table">
+            <a:tbl>
+              <a:tblPr bandRow="1">
+                <a:tableStyleId>{5940675A-B579-460E-94D1-54222C63F5DA}</a:tableStyleId>
+              </a:tblPr>
+              <a:tblGrid>
+                <a:gridCol w="7886700">
+                  <a:extLst>
+                    <a:ext uri="{9D8B030D-6E8A-4147-A177-3AD203B41FA5}">
+                      <a16:colId xmlns:a16="http://schemas.microsoft.com/office/drawing/2014/main" val="560798454"/>
+                    </a:ext>
+                  </a:extLst>
+                </a:gridCol>
+              </a:tblGrid>
+              <a:tr h="532849">
+                <a:tc>
+                  <a:txBody>
+                    <a:bodyPr/>
+                    <a:lstStyle/>
+                    <a:p>
+                      <a:pPr latinLnBrk="1"/>
+                      <a:r>
+                        <a:rPr lang="en-US" altLang="ko-KR" sz="2000" dirty="0" smtClean="0">
+                          <a:latin typeface="Arial" panose="020B0604020202020204" pitchFamily="34" charset="0"/>
+                          <a:cs typeface="Arial" panose="020B0604020202020204" pitchFamily="34" charset="0"/>
+                        </a:rPr>
+                        <a:t>Dataset used for</a:t>
+                      </a:r>
+                      <a:r>
+                        <a:rPr lang="en-US" altLang="ko-KR" sz="2000" baseline="0" dirty="0" smtClean="0">
+                          <a:latin typeface="Arial" panose="020B0604020202020204" pitchFamily="34" charset="0"/>
+                          <a:cs typeface="Arial" panose="020B0604020202020204" pitchFamily="34" charset="0"/>
+                        </a:rPr>
+                        <a:t> </a:t>
+                      </a:r>
+                      <a:r>
+                        <a:rPr lang="en-US" altLang="ko-KR" sz="2000" dirty="0" smtClean="0">
+                          <a:latin typeface="Arial" panose="020B0604020202020204" pitchFamily="34" charset="0"/>
+                          <a:cs typeface="Arial" panose="020B0604020202020204" pitchFamily="34" charset="0"/>
+                        </a:rPr>
+                        <a:t>training? </a:t>
+                      </a:r>
+                      <a:endParaRPr lang="ko-KR" altLang="en-US" sz="2000" dirty="0">
+                        <a:latin typeface="Arial" panose="020B0604020202020204" pitchFamily="34" charset="0"/>
+                        <a:cs typeface="Arial" panose="020B0604020202020204" pitchFamily="34" charset="0"/>
+                      </a:endParaRPr>
+                    </a:p>
+                  </a:txBody>
+                  <a:tcPr anchor="ctr"/>
+                </a:tc>
+                <a:extLst>
+                  <a:ext uri="{0D108BD9-81ED-4DB2-BD59-A6C34878D82A}">
+                    <a16:rowId xmlns:a16="http://schemas.microsoft.com/office/drawing/2014/main" val="2775554180"/>
+                  </a:ext>
+                </a:extLst>
+              </a:tr>
+              <a:tr h="942732">
+                <a:tc>
+                  <a:txBody>
+                    <a:bodyPr/>
+                    <a:lstStyle/>
+                    <a:p>
+                      <a:pPr latinLnBrk="1"/>
+                      <a:r>
+                        <a:rPr lang="en-US" altLang="ko-KR" sz="2000" dirty="0" smtClean="0">
+                          <a:latin typeface="Arial" panose="020B0604020202020204" pitchFamily="34" charset="0"/>
+                          <a:cs typeface="Arial" panose="020B0604020202020204" pitchFamily="34" charset="0"/>
+                        </a:rPr>
+                        <a:t>What kind of dataset will be used?</a:t>
+                      </a:r>
+                    </a:p>
+                    <a:p>
+                      <a:pPr latinLnBrk="1"/>
+                      <a:r>
+                        <a:rPr lang="en-US" altLang="ko-KR" sz="2000" dirty="0" smtClean="0">
+                          <a:latin typeface="Arial" panose="020B0604020202020204" pitchFamily="34" charset="0"/>
+                          <a:cs typeface="Arial" panose="020B0604020202020204" pitchFamily="34" charset="0"/>
+                        </a:rPr>
+                        <a:t>    Mobile data /</a:t>
+                      </a:r>
+                      <a:r>
+                        <a:rPr lang="en-US" altLang="ko-KR" sz="2000" baseline="0" dirty="0" smtClean="0">
+                          <a:latin typeface="Arial" panose="020B0604020202020204" pitchFamily="34" charset="0"/>
+                          <a:cs typeface="Arial" panose="020B0604020202020204" pitchFamily="34" charset="0"/>
+                        </a:rPr>
+                        <a:t> </a:t>
+                      </a:r>
+                      <a:r>
+                        <a:rPr lang="en-US" altLang="ko-KR" sz="2000" dirty="0" smtClean="0">
+                          <a:latin typeface="Arial" panose="020B0604020202020204" pitchFamily="34" charset="0"/>
+                          <a:cs typeface="Arial" panose="020B0604020202020204" pitchFamily="34" charset="0"/>
+                        </a:rPr>
+                        <a:t>airborne lasers /</a:t>
+                      </a:r>
+                      <a:r>
+                        <a:rPr lang="en-US" altLang="ko-KR" sz="2000" baseline="0" dirty="0" smtClean="0">
+                          <a:latin typeface="Arial" panose="020B0604020202020204" pitchFamily="34" charset="0"/>
+                          <a:cs typeface="Arial" panose="020B0604020202020204" pitchFamily="34" charset="0"/>
+                        </a:rPr>
+                        <a:t> </a:t>
+                      </a:r>
+                      <a:r>
+                        <a:rPr lang="en-US" altLang="ko-KR" sz="2000" dirty="0" smtClean="0">
+                          <a:latin typeface="Arial" panose="020B0604020202020204" pitchFamily="34" charset="0"/>
+                          <a:cs typeface="Arial" panose="020B0604020202020204" pitchFamily="34" charset="0"/>
+                        </a:rPr>
+                        <a:t>hybrid dataset mixture of both.</a:t>
+                      </a:r>
+                      <a:endParaRPr lang="ko-KR" altLang="en-US" sz="2000" dirty="0">
+                        <a:latin typeface="Arial" panose="020B0604020202020204" pitchFamily="34" charset="0"/>
+                        <a:cs typeface="Arial" panose="020B0604020202020204" pitchFamily="34" charset="0"/>
+                      </a:endParaRPr>
+                    </a:p>
+                  </a:txBody>
+                  <a:tcPr anchor="ctr"/>
+                </a:tc>
+                <a:extLst>
+                  <a:ext uri="{0D108BD9-81ED-4DB2-BD59-A6C34878D82A}">
+                    <a16:rowId xmlns:a16="http://schemas.microsoft.com/office/drawing/2014/main" val="2844363751"/>
+                  </a:ext>
+                </a:extLst>
+              </a:tr>
+              <a:tr h="942732">
+                <a:tc>
+                  <a:txBody>
+                    <a:bodyPr/>
+                    <a:lstStyle/>
+                    <a:p>
+                      <a:pPr latinLnBrk="1"/>
+                      <a:r>
+                        <a:rPr lang="en-US" altLang="ko-KR" sz="2000" dirty="0" smtClean="0">
+                          <a:latin typeface="Arial" panose="020B0604020202020204" pitchFamily="34" charset="0"/>
+                          <a:cs typeface="Arial" panose="020B0604020202020204" pitchFamily="34" charset="0"/>
+                        </a:rPr>
+                        <a:t>What kind of environment?</a:t>
+                      </a:r>
+                    </a:p>
+                    <a:p>
+                      <a:pPr latinLnBrk="1"/>
+                      <a:r>
+                        <a:rPr lang="en-US" altLang="ko-KR" sz="2000" dirty="0" smtClean="0">
+                          <a:latin typeface="Arial" panose="020B0604020202020204" pitchFamily="34" charset="0"/>
+                          <a:cs typeface="Arial" panose="020B0604020202020204" pitchFamily="34" charset="0"/>
+                        </a:rPr>
+                        <a:t>    Indoor /</a:t>
+                      </a:r>
+                      <a:r>
+                        <a:rPr lang="en-US" altLang="ko-KR" sz="2000" baseline="0" dirty="0" smtClean="0">
+                          <a:latin typeface="Arial" panose="020B0604020202020204" pitchFamily="34" charset="0"/>
+                          <a:cs typeface="Arial" panose="020B0604020202020204" pitchFamily="34" charset="0"/>
+                        </a:rPr>
+                        <a:t> </a:t>
+                      </a:r>
+                      <a:r>
+                        <a:rPr lang="en-US" altLang="ko-KR" sz="2000" dirty="0" smtClean="0">
+                          <a:latin typeface="Arial" panose="020B0604020202020204" pitchFamily="34" charset="0"/>
+                          <a:cs typeface="Arial" panose="020B0604020202020204" pitchFamily="34" charset="0"/>
+                        </a:rPr>
+                        <a:t>Outdoor or</a:t>
+                      </a:r>
+                      <a:r>
+                        <a:rPr lang="en-US" altLang="ko-KR" sz="2000" baseline="0" dirty="0" smtClean="0">
+                          <a:latin typeface="Arial" panose="020B0604020202020204" pitchFamily="34" charset="0"/>
+                          <a:cs typeface="Arial" panose="020B0604020202020204" pitchFamily="34" charset="0"/>
+                        </a:rPr>
+                        <a:t> </a:t>
+                      </a:r>
+                      <a:r>
+                        <a:rPr lang="en-US" altLang="ko-KR" sz="2000" dirty="0" smtClean="0">
+                          <a:latin typeface="Arial" panose="020B0604020202020204" pitchFamily="34" charset="0"/>
+                          <a:cs typeface="Arial" panose="020B0604020202020204" pitchFamily="34" charset="0"/>
+                        </a:rPr>
+                        <a:t>Urban / Rural /</a:t>
+                      </a:r>
+                      <a:r>
+                        <a:rPr lang="en-US" altLang="ko-KR" sz="2000" baseline="0" dirty="0" smtClean="0">
+                          <a:latin typeface="Arial" panose="020B0604020202020204" pitchFamily="34" charset="0"/>
+                          <a:cs typeface="Arial" panose="020B0604020202020204" pitchFamily="34" charset="0"/>
+                        </a:rPr>
+                        <a:t> </a:t>
+                      </a:r>
+                      <a:r>
+                        <a:rPr lang="en-US" altLang="ko-KR" sz="2000" dirty="0" smtClean="0">
+                          <a:latin typeface="Arial" panose="020B0604020202020204" pitchFamily="34" charset="0"/>
+                          <a:cs typeface="Arial" panose="020B0604020202020204" pitchFamily="34" charset="0"/>
+                        </a:rPr>
+                        <a:t>Forest</a:t>
+                      </a:r>
+                      <a:endParaRPr lang="ko-KR" altLang="en-US" sz="2000" dirty="0">
+                        <a:latin typeface="Arial" panose="020B0604020202020204" pitchFamily="34" charset="0"/>
+                        <a:cs typeface="Arial" panose="020B0604020202020204" pitchFamily="34" charset="0"/>
+                      </a:endParaRPr>
+                    </a:p>
+                  </a:txBody>
+                  <a:tcPr anchor="ctr"/>
+                </a:tc>
+                <a:extLst>
+                  <a:ext uri="{0D108BD9-81ED-4DB2-BD59-A6C34878D82A}">
+                    <a16:rowId xmlns:a16="http://schemas.microsoft.com/office/drawing/2014/main" val="1615479227"/>
+                  </a:ext>
+                </a:extLst>
+              </a:tr>
+              <a:tr h="532849">
+                <a:tc>
+                  <a:txBody>
+                    <a:bodyPr/>
+                    <a:lstStyle/>
+                    <a:p>
+                      <a:pPr latinLnBrk="1"/>
+                      <a:r>
+                        <a:rPr lang="en-US" altLang="ko-KR" sz="2000" dirty="0" smtClean="0">
+                          <a:latin typeface="Arial" panose="020B0604020202020204" pitchFamily="34" charset="0"/>
+                          <a:cs typeface="Arial" panose="020B0604020202020204" pitchFamily="34" charset="0"/>
+                        </a:rPr>
+                        <a:t>Which object classes?</a:t>
+                      </a:r>
+                      <a:endParaRPr lang="ko-KR" altLang="en-US" sz="2000" dirty="0">
+                        <a:latin typeface="Arial" panose="020B0604020202020204" pitchFamily="34" charset="0"/>
+                        <a:cs typeface="Arial" panose="020B0604020202020204" pitchFamily="34" charset="0"/>
+                      </a:endParaRPr>
+                    </a:p>
+                  </a:txBody>
+                  <a:tcPr anchor="ctr"/>
+                </a:tc>
+                <a:extLst>
+                  <a:ext uri="{0D108BD9-81ED-4DB2-BD59-A6C34878D82A}">
+                    <a16:rowId xmlns:a16="http://schemas.microsoft.com/office/drawing/2014/main" val="2057975646"/>
+                  </a:ext>
+                </a:extLst>
+              </a:tr>
+            </a:tbl>
+          </a:graphicData>
+        </a:graphic>
+      </p:graphicFrame>
+      <p:sp>
+        <p:nvSpPr>
+          <p:cNvPr id="4" name="Slide Number Placeholder 3"/>
           <p:cNvSpPr>
             <a:spLocks noGrp="1"/>
           </p:cNvSpPr>
@@ -4052,7 +4059,7 @@
     </p:spTree>
     <p:extLst>
       <p:ext uri="{BB962C8B-B14F-4D97-AF65-F5344CB8AC3E}">
-        <p14:creationId xmlns:p14="http://schemas.microsoft.com/office/powerpoint/2010/main" val="1665966087"/>
+        <p14:creationId xmlns:p14="http://schemas.microsoft.com/office/powerpoint/2010/main" val="589026820"/>
       </p:ext>
     </p:extLst>
   </p:cSld>
@@ -4102,11 +4109,7 @@
           <a:p>
             <a:r>
               <a:rPr lang="en-CA" dirty="0"/>
-              <a:t>Publicly Available Dataset </a:t>
-            </a:r>
-            <a:r>
-              <a:rPr lang="en-CA" baseline="30000" dirty="0"/>
-              <a:t>(1/3)</a:t>
+              <a:t>Key Papers</a:t>
             </a:r>
           </a:p>
         </p:txBody>
@@ -4129,75 +4132,149 @@
         </p:nvSpPr>
         <p:spPr/>
         <p:txBody>
-          <a:bodyPr/>
-          <a:lstStyle/>
-          <a:p>
-            <a:r>
-              <a:rPr lang="en-CA" dirty="0"/>
-              <a:t>Semantic3D</a:t>
+          <a:bodyPr>
+            <a:normAutofit/>
+          </a:bodyPr>
+          <a:lstStyle/>
+          <a:p>
+            <a:r>
+              <a:rPr lang="en-US" altLang="ko-KR" dirty="0"/>
+              <a:t>Point cloud segmentation</a:t>
             </a:r>
           </a:p>
           <a:p>
             <a:pPr lvl="1"/>
             <a:r>
-              <a:rPr lang="en-CA" dirty="0"/>
-              <a:t>LiDAR dataset with over 3 billion points from a variety of </a:t>
+              <a:rPr lang="en-CA" altLang="ko-KR" dirty="0" err="1"/>
+              <a:t>PointNet</a:t>
+            </a:r>
+            <a:r>
+              <a:rPr lang="en-CA" altLang="ko-KR" dirty="0"/>
+              <a:t>: Deep Learning on Point Sets for 3D Classification and Segmentation</a:t>
             </a:r>
             <a:br>
-              <a:rPr lang="en-CA" dirty="0"/>
+              <a:rPr lang="en-CA" altLang="ko-KR" dirty="0"/>
             </a:br>
             <a:r>
-              <a:rPr lang="en-CA" dirty="0"/>
-              <a:t>urban and rural scenes.</a:t>
-            </a:r>
-          </a:p>
-          <a:p>
-            <a:pPr lvl="1"/>
-            <a:r>
-              <a:rPr lang="en-CA" dirty="0">
+              <a:rPr lang="en-CA" altLang="ko-KR" dirty="0">
                 <a:hlinkClick r:id="rId2"/>
               </a:rPr>
-              <a:t>http://www.semantic3d.net/</a:t>
-            </a:r>
-            <a:endParaRPr lang="en-CA" dirty="0"/>
+              <a:t>https://github.com/charlesq34/pointnet</a:t>
+            </a:r>
+            <a:r>
+              <a:rPr lang="en-CA" altLang="ko-KR" dirty="0"/>
+              <a:t/>
+            </a:r>
+            <a:br>
+              <a:rPr lang="en-CA" altLang="ko-KR" dirty="0"/>
+            </a:br>
+            <a:r>
+              <a:rPr lang="en-CA" altLang="ko-KR" dirty="0"/>
+              <a:t>*Both used in the two following papers</a:t>
+            </a:r>
           </a:p>
           <a:p>
             <a:pPr lvl="1"/>
-            <a:r>
-              <a:rPr lang="en-CA" dirty="0"/>
-              <a:t>Managed by ETH (</a:t>
-            </a:r>
-            <a:r>
-              <a:rPr lang="en-CA" dirty="0">
+            <a:endParaRPr lang="en-US" altLang="ko-KR" dirty="0"/>
+          </a:p>
+          <a:p>
+            <a:pPr lvl="1"/>
+            <a:r>
+              <a:rPr lang="en-US" altLang="ko-KR" dirty="0" err="1"/>
+              <a:t>PointNet</a:t>
+            </a:r>
+            <a:r>
+              <a:rPr lang="en-US" altLang="ko-KR" dirty="0"/>
+              <a:t>++: deep hierarchical feature learning on point sets </a:t>
+            </a:r>
+            <a:br>
+              <a:rPr lang="en-US" altLang="ko-KR" dirty="0"/>
+            </a:br>
+            <a:r>
+              <a:rPr lang="en-US" altLang="ko-KR" dirty="0"/>
+              <a:t>in a metric space</a:t>
+            </a:r>
+            <a:br>
+              <a:rPr lang="en-US" altLang="ko-KR" dirty="0"/>
+            </a:br>
+            <a:r>
+              <a:rPr lang="en-US" altLang="ko-KR" dirty="0">
                 <a:hlinkClick r:id="rId3"/>
               </a:rPr>
-              <a:t>http://www.prs.igp.ethz.ch/</a:t>
-            </a:r>
-            <a:r>
-              <a:rPr lang="en-CA" dirty="0"/>
-              <a:t>)</a:t>
-            </a:r>
+              <a:t>https://github.com/charlesq34/pointnet2</a:t>
+            </a:r>
+            <a:r>
+              <a:rPr lang="en-US" altLang="ko-KR" dirty="0"/>
+              <a:t/>
+            </a:r>
+            <a:br>
+              <a:rPr lang="en-US" altLang="ko-KR" dirty="0"/>
+            </a:br>
+            <a:r>
+              <a:rPr lang="en-US" altLang="ko-KR" dirty="0"/>
+              <a:t>*Rank 4 in </a:t>
+            </a:r>
+            <a:r>
+              <a:rPr lang="en-US" altLang="ko-KR" dirty="0">
+                <a:hlinkClick r:id="rId4"/>
+              </a:rPr>
+              <a:t>http://www.semantic3d.net/</a:t>
+            </a:r>
+            <a:endParaRPr lang="en-US" altLang="ko-KR" dirty="0"/>
           </a:p>
           <a:p>
             <a:pPr lvl="1"/>
-            <a:r>
-              <a:rPr lang="en-CA" dirty="0"/>
-              <a:t>8 class labels, namely {1: man-made terrain, 2: natural terrain, </a:t>
+            <a:endParaRPr lang="en-US" altLang="ko-KR" dirty="0"/>
+          </a:p>
+          <a:p>
+            <a:pPr lvl="1"/>
+            <a:r>
+              <a:rPr lang="en-US" altLang="ko-KR" dirty="0"/>
+              <a:t>Large-scale point cloud segmentation with </a:t>
+            </a:r>
+            <a:r>
+              <a:rPr lang="en-US" altLang="ko-KR" dirty="0" err="1"/>
+              <a:t>superpoint</a:t>
+            </a:r>
+            <a:r>
+              <a:rPr lang="en-US" altLang="ko-KR" dirty="0"/>
+              <a:t> graphs </a:t>
             </a:r>
             <a:br>
-              <a:rPr lang="en-CA" dirty="0"/>
+              <a:rPr lang="en-US" altLang="ko-KR" dirty="0"/>
             </a:br>
             <a:r>
-              <a:rPr lang="en-CA" dirty="0"/>
-              <a:t>3: high vegetation, 4: low vegetation, 5: buildings, 6: hard scape, </a:t>
+              <a:rPr lang="en-US" altLang="ko-KR" dirty="0">
+                <a:hlinkClick r:id="rId5"/>
+              </a:rPr>
+              <a:t>https://github.com/loicland/superpoint_graph</a:t>
+            </a:r>
+            <a:r>
+              <a:rPr lang="en-US" altLang="ko-KR" dirty="0"/>
+              <a:t/>
             </a:r>
             <a:br>
-              <a:rPr lang="en-CA" dirty="0"/>
+              <a:rPr lang="en-US" altLang="ko-KR" dirty="0"/>
             </a:br>
             <a:r>
-              <a:rPr lang="en-CA" dirty="0"/>
-              <a:t>7: scanning artefacts, 8: cars}.</a:t>
-            </a:r>
+              <a:rPr lang="en-US" altLang="ko-KR" dirty="0"/>
+              <a:t>*Rank 1 in </a:t>
+            </a:r>
+            <a:r>
+              <a:rPr lang="en-US" altLang="ko-KR" dirty="0">
+                <a:hlinkClick r:id="rId4"/>
+              </a:rPr>
+              <a:t>http://www.semantic3d.net/</a:t>
+            </a:r>
+            <a:endParaRPr lang="en-US" altLang="ko-KR" dirty="0"/>
+          </a:p>
+          <a:p>
+            <a:pPr lvl="1"/>
+            <a:endParaRPr lang="en-US" altLang="ko-KR" dirty="0"/>
+          </a:p>
+          <a:p>
+            <a:pPr lvl="1"/>
+            <a:endParaRPr lang="en-CA" altLang="ko-KR" dirty="0"/>
           </a:p>
           <a:p>
             <a:pPr lvl="1"/>
@@ -4230,6 +4307,192 @@
               <a:rPr lang="ko-KR" altLang="en-US" smtClean="0"/>
               <a:pPr/>
               <a:t>11</a:t>
+            </a:fld>
+            <a:endParaRPr lang="ko-KR" altLang="en-US" dirty="0"/>
+          </a:p>
+        </p:txBody>
+      </p:sp>
+    </p:spTree>
+    <p:extLst>
+      <p:ext uri="{BB962C8B-B14F-4D97-AF65-F5344CB8AC3E}">
+        <p14:creationId xmlns:p14="http://schemas.microsoft.com/office/powerpoint/2010/main" val="1665966087"/>
+      </p:ext>
+    </p:extLst>
+  </p:cSld>
+  <p:clrMapOvr>
+    <a:masterClrMapping/>
+  </p:clrMapOvr>
+</p:sld>
+</file>
+
+<file path=ppt/slides/slide12.xml><?xml version="1.0" encoding="utf-8"?>
+<p:sld xmlns:a="http://schemas.openxmlformats.org/drawingml/2006/main" xmlns:r="http://schemas.openxmlformats.org/officeDocument/2006/relationships" xmlns:p="http://schemas.openxmlformats.org/presentationml/2006/main">
+  <p:cSld>
+    <p:spTree>
+      <p:nvGrpSpPr>
+        <p:cNvPr id="1" name=""/>
+        <p:cNvGrpSpPr/>
+        <p:nvPr/>
+      </p:nvGrpSpPr>
+      <p:grpSpPr>
+        <a:xfrm>
+          <a:off x="0" y="0"/>
+          <a:ext cx="0" cy="0"/>
+          <a:chOff x="0" y="0"/>
+          <a:chExt cx="0" cy="0"/>
+        </a:xfrm>
+      </p:grpSpPr>
+      <p:sp>
+        <p:nvSpPr>
+          <p:cNvPr id="2" name="Title 1">
+            <a:extLst>
+              <a:ext uri="{FF2B5EF4-FFF2-40B4-BE49-F238E27FC236}">
+                <a16:creationId xmlns:a16="http://schemas.microsoft.com/office/drawing/2014/main" id="{817A2C5A-0930-473B-8AA9-EFDC306F94E8}"/>
+              </a:ext>
+            </a:extLst>
+          </p:cNvPr>
+          <p:cNvSpPr>
+            <a:spLocks noGrp="1"/>
+          </p:cNvSpPr>
+          <p:nvPr>
+            <p:ph type="title"/>
+          </p:nvPr>
+        </p:nvSpPr>
+        <p:spPr/>
+        <p:txBody>
+          <a:bodyPr/>
+          <a:lstStyle/>
+          <a:p>
+            <a:r>
+              <a:rPr lang="en-CA" dirty="0"/>
+              <a:t>Publicly Available Dataset </a:t>
+            </a:r>
+            <a:r>
+              <a:rPr lang="en-CA" baseline="30000" dirty="0"/>
+              <a:t>(1/3)</a:t>
+            </a:r>
+          </a:p>
+        </p:txBody>
+      </p:sp>
+      <p:sp>
+        <p:nvSpPr>
+          <p:cNvPr id="3" name="Content Placeholder 2">
+            <a:extLst>
+              <a:ext uri="{FF2B5EF4-FFF2-40B4-BE49-F238E27FC236}">
+                <a16:creationId xmlns:a16="http://schemas.microsoft.com/office/drawing/2014/main" id="{81CF7DD7-3B0D-4BC3-A89E-D955288863EF}"/>
+              </a:ext>
+            </a:extLst>
+          </p:cNvPr>
+          <p:cNvSpPr>
+            <a:spLocks noGrp="1"/>
+          </p:cNvSpPr>
+          <p:nvPr>
+            <p:ph idx="1"/>
+          </p:nvPr>
+        </p:nvSpPr>
+        <p:spPr/>
+        <p:txBody>
+          <a:bodyPr/>
+          <a:lstStyle/>
+          <a:p>
+            <a:r>
+              <a:rPr lang="en-CA" dirty="0"/>
+              <a:t>Semantic3D</a:t>
+            </a:r>
+          </a:p>
+          <a:p>
+            <a:pPr lvl="1"/>
+            <a:r>
+              <a:rPr lang="en-CA" dirty="0"/>
+              <a:t>LiDAR dataset with over 3 billion points from a variety of </a:t>
+            </a:r>
+            <a:br>
+              <a:rPr lang="en-CA" dirty="0"/>
+            </a:br>
+            <a:r>
+              <a:rPr lang="en-CA" dirty="0"/>
+              <a:t>urban and rural scenes.</a:t>
+            </a:r>
+          </a:p>
+          <a:p>
+            <a:pPr lvl="1"/>
+            <a:r>
+              <a:rPr lang="en-CA" dirty="0">
+                <a:hlinkClick r:id="rId2"/>
+              </a:rPr>
+              <a:t>http://www.semantic3d.net/</a:t>
+            </a:r>
+            <a:endParaRPr lang="en-CA" dirty="0"/>
+          </a:p>
+          <a:p>
+            <a:pPr lvl="1"/>
+            <a:r>
+              <a:rPr lang="en-CA" dirty="0"/>
+              <a:t>Managed by ETH (</a:t>
+            </a:r>
+            <a:r>
+              <a:rPr lang="en-CA" dirty="0">
+                <a:hlinkClick r:id="rId3"/>
+              </a:rPr>
+              <a:t>http://www.prs.igp.ethz.ch/</a:t>
+            </a:r>
+            <a:r>
+              <a:rPr lang="en-CA" dirty="0"/>
+              <a:t>)</a:t>
+            </a:r>
+          </a:p>
+          <a:p>
+            <a:pPr lvl="1"/>
+            <a:r>
+              <a:rPr lang="en-CA" dirty="0"/>
+              <a:t>8 class labels, namely {1: man-made terrain, 2: natural terrain, </a:t>
+            </a:r>
+            <a:br>
+              <a:rPr lang="en-CA" dirty="0"/>
+            </a:br>
+            <a:r>
+              <a:rPr lang="en-CA" dirty="0"/>
+              <a:t>3: high vegetation, 4: low vegetation, 5: buildings, 6: hard scape, </a:t>
+            </a:r>
+            <a:br>
+              <a:rPr lang="en-CA" dirty="0"/>
+            </a:br>
+            <a:r>
+              <a:rPr lang="en-CA" dirty="0"/>
+              <a:t>7: scanning artefacts, 8: cars}.</a:t>
+            </a:r>
+          </a:p>
+          <a:p>
+            <a:pPr lvl="1"/>
+            <a:endParaRPr lang="en-CA" dirty="0"/>
+          </a:p>
+        </p:txBody>
+      </p:sp>
+      <p:sp>
+        <p:nvSpPr>
+          <p:cNvPr id="4" name="Slide Number Placeholder 3">
+            <a:extLst>
+              <a:ext uri="{FF2B5EF4-FFF2-40B4-BE49-F238E27FC236}">
+                <a16:creationId xmlns:a16="http://schemas.microsoft.com/office/drawing/2014/main" id="{F0EDD8E4-2E6A-4CE8-85E5-D52CAE6DE3C7}"/>
+              </a:ext>
+            </a:extLst>
+          </p:cNvPr>
+          <p:cNvSpPr>
+            <a:spLocks noGrp="1"/>
+          </p:cNvSpPr>
+          <p:nvPr>
+            <p:ph type="sldNum" sz="quarter" idx="12"/>
+          </p:nvPr>
+        </p:nvSpPr>
+        <p:spPr/>
+        <p:txBody>
+          <a:bodyPr/>
+          <a:lstStyle/>
+          <a:p>
+            <a:fld id="{25FE67DE-5BF6-49D0-BF7A-76F5E776BCA1}" type="slidenum">
+              <a:rPr lang="ko-KR" altLang="en-US" smtClean="0"/>
+              <a:pPr/>
+              <a:t>12</a:t>
             </a:fld>
             <a:endParaRPr lang="ko-KR" altLang="en-US" dirty="0"/>
           </a:p>
@@ -4283,7 +4546,7 @@
 </p:sld>
 </file>
 
-<file path=ppt/slides/slide12.xml><?xml version="1.0" encoding="utf-8"?>
+<file path=ppt/slides/slide13.xml><?xml version="1.0" encoding="utf-8"?>
 <p:sld xmlns:a="http://schemas.openxmlformats.org/drawingml/2006/main" xmlns:r="http://schemas.openxmlformats.org/officeDocument/2006/relationships" xmlns:p="http://schemas.openxmlformats.org/presentationml/2006/main">
   <p:cSld>
     <p:spTree>
@@ -4439,7 +4702,7 @@
             <a:fld id="{25FE67DE-5BF6-49D0-BF7A-76F5E776BCA1}" type="slidenum">
               <a:rPr lang="ko-KR" altLang="en-US" smtClean="0"/>
               <a:pPr/>
-              <a:t>12</a:t>
+              <a:t>13</a:t>
             </a:fld>
             <a:endParaRPr lang="ko-KR" altLang="en-US" dirty="0"/>
           </a:p>
@@ -4494,270 +4757,6 @@
 </p:sld>
 </file>
 
-<file path=ppt/slides/slide13.xml><?xml version="1.0" encoding="utf-8"?>
-<p:sld xmlns:a="http://schemas.openxmlformats.org/drawingml/2006/main" xmlns:r="http://schemas.openxmlformats.org/officeDocument/2006/relationships" xmlns:p="http://schemas.openxmlformats.org/presentationml/2006/main">
-  <p:cSld>
-    <p:spTree>
-      <p:nvGrpSpPr>
-        <p:cNvPr id="1" name=""/>
-        <p:cNvGrpSpPr/>
-        <p:nvPr/>
-      </p:nvGrpSpPr>
-      <p:grpSpPr>
-        <a:xfrm>
-          <a:off x="0" y="0"/>
-          <a:ext cx="0" cy="0"/>
-          <a:chOff x="0" y="0"/>
-          <a:chExt cx="0" cy="0"/>
-        </a:xfrm>
-      </p:grpSpPr>
-      <p:sp>
-        <p:nvSpPr>
-          <p:cNvPr id="2" name="Title 1">
-            <a:extLst>
-              <a:ext uri="{FF2B5EF4-FFF2-40B4-BE49-F238E27FC236}">
-                <a16:creationId xmlns:a16="http://schemas.microsoft.com/office/drawing/2014/main" id="{4B688ACC-7EB5-4201-A89C-97CB6D71E816}"/>
-              </a:ext>
-            </a:extLst>
-          </p:cNvPr>
-          <p:cNvSpPr>
-            <a:spLocks noGrp="1"/>
-          </p:cNvSpPr>
-          <p:nvPr>
-            <p:ph type="title"/>
-          </p:nvPr>
-        </p:nvSpPr>
-        <p:spPr/>
-        <p:txBody>
-          <a:bodyPr/>
-          <a:lstStyle/>
-          <a:p>
-            <a:r>
-              <a:rPr lang="en-CA" dirty="0"/>
-              <a:t>Publicly Available Dataset </a:t>
-            </a:r>
-            <a:r>
-              <a:rPr lang="en-CA" baseline="30000" dirty="0" smtClean="0"/>
-              <a:t>(3/3</a:t>
-            </a:r>
-            <a:r>
-              <a:rPr lang="en-CA" baseline="30000" dirty="0"/>
-              <a:t>)</a:t>
-            </a:r>
-            <a:endParaRPr lang="en-CA" dirty="0"/>
-          </a:p>
-        </p:txBody>
-      </p:sp>
-      <p:sp>
-        <p:nvSpPr>
-          <p:cNvPr id="3" name="Content Placeholder 2">
-            <a:extLst>
-              <a:ext uri="{FF2B5EF4-FFF2-40B4-BE49-F238E27FC236}">
-                <a16:creationId xmlns:a16="http://schemas.microsoft.com/office/drawing/2014/main" id="{6AC2303C-B1F2-4EE3-B643-E94E2E2DA6B0}"/>
-              </a:ext>
-            </a:extLst>
-          </p:cNvPr>
-          <p:cNvSpPr>
-            <a:spLocks noGrp="1"/>
-          </p:cNvSpPr>
-          <p:nvPr>
-            <p:ph idx="1"/>
-          </p:nvPr>
-        </p:nvSpPr>
-        <p:spPr>
-          <a:xfrm>
-            <a:off x="432000" y="1367246"/>
-            <a:ext cx="8280000" cy="4809717"/>
-          </a:xfrm>
-        </p:spPr>
-        <p:txBody>
-          <a:bodyPr/>
-          <a:lstStyle/>
-          <a:p>
-            <a:r>
-              <a:rPr lang="en-CA" dirty="0" err="1"/>
-              <a:t>Etc</a:t>
-            </a:r>
-            <a:endParaRPr lang="en-CA" dirty="0"/>
-          </a:p>
-          <a:p>
-            <a:pPr lvl="1"/>
-            <a:r>
-              <a:rPr lang="en-CA" dirty="0"/>
-              <a:t>Oakland 3-D Point Cloud Dataset (2009)</a:t>
-            </a:r>
-          </a:p>
-          <a:p>
-            <a:pPr lvl="2"/>
-            <a:r>
-              <a:rPr lang="en-CA" dirty="0">
-                <a:hlinkClick r:id="rId2"/>
-              </a:rPr>
-              <a:t>http://www.cs.cmu.edu/~vmr/datasets/oakland_3d/cvpr09/doc/</a:t>
-            </a:r>
-            <a:endParaRPr lang="en-CA" dirty="0"/>
-          </a:p>
-          <a:p>
-            <a:pPr lvl="2"/>
-            <a:endParaRPr lang="en-CA" dirty="0"/>
-          </a:p>
-          <a:p>
-            <a:pPr lvl="1"/>
-            <a:r>
-              <a:rPr lang="en-CA" dirty="0"/>
-              <a:t>NYU Depth Dataset V2 (2012)</a:t>
-            </a:r>
-          </a:p>
-          <a:p>
-            <a:pPr lvl="2"/>
-            <a:r>
-              <a:rPr lang="en-CA" dirty="0">
-                <a:hlinkClick r:id="rId3"/>
-              </a:rPr>
-              <a:t>https://cs.nyu.edu/~silberman/datasets/nyu_depth_v2.html</a:t>
-            </a:r>
-            <a:endParaRPr lang="en-CA" dirty="0"/>
-          </a:p>
-          <a:p>
-            <a:pPr lvl="2"/>
-            <a:endParaRPr lang="en-CA" dirty="0"/>
-          </a:p>
-          <a:p>
-            <a:pPr lvl="1"/>
-            <a:r>
-              <a:rPr lang="en-CA" dirty="0"/>
-              <a:t>Sydney Urban Objects data set</a:t>
-            </a:r>
-          </a:p>
-          <a:p>
-            <a:pPr lvl="2"/>
-            <a:r>
-              <a:rPr lang="en-CA" dirty="0">
-                <a:hlinkClick r:id="rId4"/>
-              </a:rPr>
-              <a:t>http://www.acfr.usyd.edu.au/papers/SydneyUrbanObjectsDataset.shtml</a:t>
-            </a:r>
-            <a:endParaRPr lang="en-CA" dirty="0"/>
-          </a:p>
-          <a:p>
-            <a:pPr lvl="2"/>
-            <a:endParaRPr lang="en-CA" dirty="0"/>
-          </a:p>
-          <a:p>
-            <a:pPr lvl="1"/>
-            <a:r>
-              <a:rPr lang="en-CA" dirty="0" err="1"/>
-              <a:t>IQmulus</a:t>
-            </a:r>
-            <a:r>
-              <a:rPr lang="en-CA" dirty="0"/>
-              <a:t> &amp; </a:t>
-            </a:r>
-            <a:r>
-              <a:rPr lang="en-CA" dirty="0" err="1"/>
-              <a:t>TerraMobilita</a:t>
-            </a:r>
-            <a:r>
-              <a:rPr lang="en-CA" dirty="0"/>
-              <a:t> Contest</a:t>
-            </a:r>
-          </a:p>
-          <a:p>
-            <a:pPr lvl="2"/>
-            <a:r>
-              <a:rPr lang="fr-FR" dirty="0"/>
-              <a:t>Mobile laser scans (MLS) in dense </a:t>
-            </a:r>
-            <a:r>
-              <a:rPr lang="fr-FR" dirty="0" err="1"/>
-              <a:t>urban</a:t>
-            </a:r>
-            <a:r>
-              <a:rPr lang="fr-FR" dirty="0"/>
-              <a:t> </a:t>
-            </a:r>
-            <a:r>
-              <a:rPr lang="fr-FR" dirty="0" err="1"/>
-              <a:t>environments</a:t>
-            </a:r>
-            <a:endParaRPr lang="en-CA" dirty="0"/>
-          </a:p>
-          <a:p>
-            <a:pPr lvl="2"/>
-            <a:r>
-              <a:rPr lang="en-CA" dirty="0">
-                <a:hlinkClick r:id="rId5"/>
-              </a:rPr>
-              <a:t>http://data.ign.fr/benchmarks/UrbanAnalysis/</a:t>
-            </a:r>
-            <a:endParaRPr lang="en-CA" dirty="0"/>
-          </a:p>
-          <a:p>
-            <a:pPr lvl="2"/>
-            <a:endParaRPr lang="en-CA" dirty="0"/>
-          </a:p>
-          <a:p>
-            <a:pPr lvl="1"/>
-            <a:r>
-              <a:rPr lang="en-CA" dirty="0"/>
-              <a:t>Vaihingen3D airborne benchmark</a:t>
-            </a:r>
-          </a:p>
-          <a:p>
-            <a:pPr lvl="2"/>
-            <a:r>
-              <a:rPr lang="en-CA" dirty="0">
-                <a:hlinkClick r:id="rId6"/>
-              </a:rPr>
-              <a:t>http://www2.isprs.org/commissions/comm3/wg4/3d-semantic-labeling.html</a:t>
-            </a:r>
-            <a:endParaRPr lang="en-CA" dirty="0"/>
-          </a:p>
-        </p:txBody>
-      </p:sp>
-      <p:sp>
-        <p:nvSpPr>
-          <p:cNvPr id="4" name="Slide Number Placeholder 3">
-            <a:extLst>
-              <a:ext uri="{FF2B5EF4-FFF2-40B4-BE49-F238E27FC236}">
-                <a16:creationId xmlns:a16="http://schemas.microsoft.com/office/drawing/2014/main" id="{AFF59AB2-A301-43A8-A2E1-83868E07F4A2}"/>
-              </a:ext>
-            </a:extLst>
-          </p:cNvPr>
-          <p:cNvSpPr>
-            <a:spLocks noGrp="1"/>
-          </p:cNvSpPr>
-          <p:nvPr>
-            <p:ph type="sldNum" sz="quarter" idx="12"/>
-          </p:nvPr>
-        </p:nvSpPr>
-        <p:spPr/>
-        <p:txBody>
-          <a:bodyPr/>
-          <a:lstStyle/>
-          <a:p>
-            <a:fld id="{25FE67DE-5BF6-49D0-BF7A-76F5E776BCA1}" type="slidenum">
-              <a:rPr lang="ko-KR" altLang="en-US" smtClean="0"/>
-              <a:pPr/>
-              <a:t>13</a:t>
-            </a:fld>
-            <a:endParaRPr lang="ko-KR" altLang="en-US" dirty="0"/>
-          </a:p>
-        </p:txBody>
-      </p:sp>
-    </p:spTree>
-    <p:extLst>
-      <p:ext uri="{BB962C8B-B14F-4D97-AF65-F5344CB8AC3E}">
-        <p14:creationId xmlns:p14="http://schemas.microsoft.com/office/powerpoint/2010/main" val="2379039723"/>
-      </p:ext>
-    </p:extLst>
-  </p:cSld>
-  <p:clrMapOvr>
-    <a:masterClrMapping/>
-  </p:clrMapOvr>
-</p:sld>
-</file>
-
 <file path=ppt/slides/slide14.xml><?xml version="1.0" encoding="utf-8"?>
 <p:sld xmlns:a="http://schemas.openxmlformats.org/drawingml/2006/main" xmlns:r="http://schemas.openxmlformats.org/officeDocument/2006/relationships" xmlns:p="http://schemas.openxmlformats.org/presentationml/2006/main">
   <p:cSld>
@@ -4780,6 +4779,270 @@
           <p:cNvPr id="2" name="Title 1">
             <a:extLst>
               <a:ext uri="{FF2B5EF4-FFF2-40B4-BE49-F238E27FC236}">
+                <a16:creationId xmlns:a16="http://schemas.microsoft.com/office/drawing/2014/main" id="{4B688ACC-7EB5-4201-A89C-97CB6D71E816}"/>
+              </a:ext>
+            </a:extLst>
+          </p:cNvPr>
+          <p:cNvSpPr>
+            <a:spLocks noGrp="1"/>
+          </p:cNvSpPr>
+          <p:nvPr>
+            <p:ph type="title"/>
+          </p:nvPr>
+        </p:nvSpPr>
+        <p:spPr/>
+        <p:txBody>
+          <a:bodyPr/>
+          <a:lstStyle/>
+          <a:p>
+            <a:r>
+              <a:rPr lang="en-CA" dirty="0"/>
+              <a:t>Publicly Available Dataset </a:t>
+            </a:r>
+            <a:r>
+              <a:rPr lang="en-CA" baseline="30000" dirty="0" smtClean="0"/>
+              <a:t>(3/3</a:t>
+            </a:r>
+            <a:r>
+              <a:rPr lang="en-CA" baseline="30000" dirty="0"/>
+              <a:t>)</a:t>
+            </a:r>
+            <a:endParaRPr lang="en-CA" dirty="0"/>
+          </a:p>
+        </p:txBody>
+      </p:sp>
+      <p:sp>
+        <p:nvSpPr>
+          <p:cNvPr id="3" name="Content Placeholder 2">
+            <a:extLst>
+              <a:ext uri="{FF2B5EF4-FFF2-40B4-BE49-F238E27FC236}">
+                <a16:creationId xmlns:a16="http://schemas.microsoft.com/office/drawing/2014/main" id="{6AC2303C-B1F2-4EE3-B643-E94E2E2DA6B0}"/>
+              </a:ext>
+            </a:extLst>
+          </p:cNvPr>
+          <p:cNvSpPr>
+            <a:spLocks noGrp="1"/>
+          </p:cNvSpPr>
+          <p:nvPr>
+            <p:ph idx="1"/>
+          </p:nvPr>
+        </p:nvSpPr>
+        <p:spPr>
+          <a:xfrm>
+            <a:off x="432000" y="1367246"/>
+            <a:ext cx="8280000" cy="4809717"/>
+          </a:xfrm>
+        </p:spPr>
+        <p:txBody>
+          <a:bodyPr/>
+          <a:lstStyle/>
+          <a:p>
+            <a:r>
+              <a:rPr lang="en-CA" dirty="0" err="1"/>
+              <a:t>Etc</a:t>
+            </a:r>
+            <a:endParaRPr lang="en-CA" dirty="0"/>
+          </a:p>
+          <a:p>
+            <a:pPr lvl="1"/>
+            <a:r>
+              <a:rPr lang="en-CA" dirty="0"/>
+              <a:t>Oakland 3-D Point Cloud Dataset (2009)</a:t>
+            </a:r>
+          </a:p>
+          <a:p>
+            <a:pPr lvl="2"/>
+            <a:r>
+              <a:rPr lang="en-CA" dirty="0">
+                <a:hlinkClick r:id="rId2"/>
+              </a:rPr>
+              <a:t>http://www.cs.cmu.edu/~vmr/datasets/oakland_3d/cvpr09/doc/</a:t>
+            </a:r>
+            <a:endParaRPr lang="en-CA" dirty="0"/>
+          </a:p>
+          <a:p>
+            <a:pPr lvl="2"/>
+            <a:endParaRPr lang="en-CA" dirty="0"/>
+          </a:p>
+          <a:p>
+            <a:pPr lvl="1"/>
+            <a:r>
+              <a:rPr lang="en-CA" dirty="0"/>
+              <a:t>NYU Depth Dataset V2 (2012)</a:t>
+            </a:r>
+          </a:p>
+          <a:p>
+            <a:pPr lvl="2"/>
+            <a:r>
+              <a:rPr lang="en-CA" dirty="0">
+                <a:hlinkClick r:id="rId3"/>
+              </a:rPr>
+              <a:t>https://cs.nyu.edu/~silberman/datasets/nyu_depth_v2.html</a:t>
+            </a:r>
+            <a:endParaRPr lang="en-CA" dirty="0"/>
+          </a:p>
+          <a:p>
+            <a:pPr lvl="2"/>
+            <a:endParaRPr lang="en-CA" dirty="0"/>
+          </a:p>
+          <a:p>
+            <a:pPr lvl="1"/>
+            <a:r>
+              <a:rPr lang="en-CA" dirty="0"/>
+              <a:t>Sydney Urban Objects data set</a:t>
+            </a:r>
+          </a:p>
+          <a:p>
+            <a:pPr lvl="2"/>
+            <a:r>
+              <a:rPr lang="en-CA" dirty="0">
+                <a:hlinkClick r:id="rId4"/>
+              </a:rPr>
+              <a:t>http://www.acfr.usyd.edu.au/papers/SydneyUrbanObjectsDataset.shtml</a:t>
+            </a:r>
+            <a:endParaRPr lang="en-CA" dirty="0"/>
+          </a:p>
+          <a:p>
+            <a:pPr lvl="2"/>
+            <a:endParaRPr lang="en-CA" dirty="0"/>
+          </a:p>
+          <a:p>
+            <a:pPr lvl="1"/>
+            <a:r>
+              <a:rPr lang="en-CA" dirty="0" err="1"/>
+              <a:t>IQmulus</a:t>
+            </a:r>
+            <a:r>
+              <a:rPr lang="en-CA" dirty="0"/>
+              <a:t> &amp; </a:t>
+            </a:r>
+            <a:r>
+              <a:rPr lang="en-CA" dirty="0" err="1"/>
+              <a:t>TerraMobilita</a:t>
+            </a:r>
+            <a:r>
+              <a:rPr lang="en-CA" dirty="0"/>
+              <a:t> Contest</a:t>
+            </a:r>
+          </a:p>
+          <a:p>
+            <a:pPr lvl="2"/>
+            <a:r>
+              <a:rPr lang="fr-FR" dirty="0"/>
+              <a:t>Mobile laser scans (MLS) in dense </a:t>
+            </a:r>
+            <a:r>
+              <a:rPr lang="fr-FR" dirty="0" err="1"/>
+              <a:t>urban</a:t>
+            </a:r>
+            <a:r>
+              <a:rPr lang="fr-FR" dirty="0"/>
+              <a:t> </a:t>
+            </a:r>
+            <a:r>
+              <a:rPr lang="fr-FR" dirty="0" err="1"/>
+              <a:t>environments</a:t>
+            </a:r>
+            <a:endParaRPr lang="en-CA" dirty="0"/>
+          </a:p>
+          <a:p>
+            <a:pPr lvl="2"/>
+            <a:r>
+              <a:rPr lang="en-CA" dirty="0">
+                <a:hlinkClick r:id="rId5"/>
+              </a:rPr>
+              <a:t>http://data.ign.fr/benchmarks/UrbanAnalysis/</a:t>
+            </a:r>
+            <a:endParaRPr lang="en-CA" dirty="0"/>
+          </a:p>
+          <a:p>
+            <a:pPr lvl="2"/>
+            <a:endParaRPr lang="en-CA" dirty="0"/>
+          </a:p>
+          <a:p>
+            <a:pPr lvl="1"/>
+            <a:r>
+              <a:rPr lang="en-CA" dirty="0"/>
+              <a:t>Vaihingen3D airborne benchmark</a:t>
+            </a:r>
+          </a:p>
+          <a:p>
+            <a:pPr lvl="2"/>
+            <a:r>
+              <a:rPr lang="en-CA" dirty="0">
+                <a:hlinkClick r:id="rId6"/>
+              </a:rPr>
+              <a:t>http://www2.isprs.org/commissions/comm3/wg4/3d-semantic-labeling.html</a:t>
+            </a:r>
+            <a:endParaRPr lang="en-CA" dirty="0"/>
+          </a:p>
+        </p:txBody>
+      </p:sp>
+      <p:sp>
+        <p:nvSpPr>
+          <p:cNvPr id="4" name="Slide Number Placeholder 3">
+            <a:extLst>
+              <a:ext uri="{FF2B5EF4-FFF2-40B4-BE49-F238E27FC236}">
+                <a16:creationId xmlns:a16="http://schemas.microsoft.com/office/drawing/2014/main" id="{AFF59AB2-A301-43A8-A2E1-83868E07F4A2}"/>
+              </a:ext>
+            </a:extLst>
+          </p:cNvPr>
+          <p:cNvSpPr>
+            <a:spLocks noGrp="1"/>
+          </p:cNvSpPr>
+          <p:nvPr>
+            <p:ph type="sldNum" sz="quarter" idx="12"/>
+          </p:nvPr>
+        </p:nvSpPr>
+        <p:spPr/>
+        <p:txBody>
+          <a:bodyPr/>
+          <a:lstStyle/>
+          <a:p>
+            <a:fld id="{25FE67DE-5BF6-49D0-BF7A-76F5E776BCA1}" type="slidenum">
+              <a:rPr lang="ko-KR" altLang="en-US" smtClean="0"/>
+              <a:pPr/>
+              <a:t>14</a:t>
+            </a:fld>
+            <a:endParaRPr lang="ko-KR" altLang="en-US" dirty="0"/>
+          </a:p>
+        </p:txBody>
+      </p:sp>
+    </p:spTree>
+    <p:extLst>
+      <p:ext uri="{BB962C8B-B14F-4D97-AF65-F5344CB8AC3E}">
+        <p14:creationId xmlns:p14="http://schemas.microsoft.com/office/powerpoint/2010/main" val="2379039723"/>
+      </p:ext>
+    </p:extLst>
+  </p:cSld>
+  <p:clrMapOvr>
+    <a:masterClrMapping/>
+  </p:clrMapOvr>
+</p:sld>
+</file>
+
+<file path=ppt/slides/slide15.xml><?xml version="1.0" encoding="utf-8"?>
+<p:sld xmlns:a="http://schemas.openxmlformats.org/drawingml/2006/main" xmlns:r="http://schemas.openxmlformats.org/officeDocument/2006/relationships" xmlns:p="http://schemas.openxmlformats.org/presentationml/2006/main">
+  <p:cSld>
+    <p:spTree>
+      <p:nvGrpSpPr>
+        <p:cNvPr id="1" name=""/>
+        <p:cNvGrpSpPr/>
+        <p:nvPr/>
+      </p:nvGrpSpPr>
+      <p:grpSpPr>
+        <a:xfrm>
+          <a:off x="0" y="0"/>
+          <a:ext cx="0" cy="0"/>
+          <a:chOff x="0" y="0"/>
+          <a:chExt cx="0" cy="0"/>
+        </a:xfrm>
+      </p:grpSpPr>
+      <p:sp>
+        <p:nvSpPr>
+          <p:cNvPr id="2" name="Title 1">
+            <a:extLst>
+              <a:ext uri="{FF2B5EF4-FFF2-40B4-BE49-F238E27FC236}">
                 <a16:creationId xmlns:a16="http://schemas.microsoft.com/office/drawing/2014/main" id="{817A2C5A-0930-473B-8AA9-EFDC306F94E8}"/>
               </a:ext>
             </a:extLst>
@@ -4881,7 +5144,7 @@
             <a:fld id="{25FE67DE-5BF6-49D0-BF7A-76F5E776BCA1}" type="slidenum">
               <a:rPr lang="ko-KR" altLang="en-US" smtClean="0"/>
               <a:pPr/>
-              <a:t>14</a:t>
+              <a:t>15</a:t>
             </a:fld>
             <a:endParaRPr lang="ko-KR" altLang="en-US" dirty="0"/>
           </a:p>
@@ -5002,7 +5265,7 @@
 </p:sld>
 </file>
 
-<file path=ppt/slides/slide15.xml><?xml version="1.0" encoding="utf-8"?>
+<file path=ppt/slides/slide16.xml><?xml version="1.0" encoding="utf-8"?>
 <p:sld xmlns:a="http://schemas.openxmlformats.org/drawingml/2006/main" xmlns:r="http://schemas.openxmlformats.org/officeDocument/2006/relationships" xmlns:p="http://schemas.openxmlformats.org/presentationml/2006/main">
   <p:cSld>
     <p:spTree>
@@ -5118,7 +5381,7 @@
             <a:fld id="{25FE67DE-5BF6-49D0-BF7A-76F5E776BCA1}" type="slidenum">
               <a:rPr lang="ko-KR" altLang="en-US" smtClean="0"/>
               <a:pPr/>
-              <a:t>15</a:t>
+              <a:t>16</a:t>
             </a:fld>
             <a:endParaRPr lang="ko-KR" altLang="en-US" dirty="0"/>
           </a:p>
@@ -5239,7 +5502,7 @@
 </p:sld>
 </file>
 
-<file path=ppt/slides/slide16.xml><?xml version="1.0" encoding="utf-8"?>
+<file path=ppt/slides/slide17.xml><?xml version="1.0" encoding="utf-8"?>
 <p:sld xmlns:a="http://schemas.openxmlformats.org/drawingml/2006/main" xmlns:r="http://schemas.openxmlformats.org/officeDocument/2006/relationships" xmlns:p="http://schemas.openxmlformats.org/presentationml/2006/main">
   <p:cSld>
     <p:spTree>
@@ -5349,7 +5612,7 @@
             <a:fld id="{25FE67DE-5BF6-49D0-BF7A-76F5E776BCA1}" type="slidenum">
               <a:rPr lang="ko-KR" altLang="en-US" smtClean="0"/>
               <a:pPr/>
-              <a:t>16</a:t>
+              <a:t>17</a:t>
             </a:fld>
             <a:endParaRPr lang="ko-KR" altLang="en-US" dirty="0"/>
           </a:p>
@@ -5470,7 +5733,7 @@
 </p:sld>
 </file>
 
-<file path=ppt/slides/slide17.xml><?xml version="1.0" encoding="utf-8"?>
+<file path=ppt/slides/slide18.xml><?xml version="1.0" encoding="utf-8"?>
 <p:sld xmlns:a="http://schemas.openxmlformats.org/drawingml/2006/main" xmlns:r="http://schemas.openxmlformats.org/officeDocument/2006/relationships" xmlns:p="http://schemas.openxmlformats.org/presentationml/2006/main">
   <p:cSld>
     <p:spTree>
@@ -5548,7 +5811,7 @@
             <a:fld id="{25FE67DE-5BF6-49D0-BF7A-76F5E776BCA1}" type="slidenum">
               <a:rPr lang="ko-KR" altLang="en-US" smtClean="0"/>
               <a:pPr/>
-              <a:t>17</a:t>
+              <a:t>18</a:t>
             </a:fld>
             <a:endParaRPr lang="ko-KR" altLang="en-US" dirty="0"/>
           </a:p>
@@ -5705,7 +5968,7 @@
 </p:sld>
 </file>
 
-<file path=ppt/slides/slide18.xml><?xml version="1.0" encoding="utf-8"?>
+<file path=ppt/slides/slide19.xml><?xml version="1.0" encoding="utf-8"?>
 <p:sld xmlns:a="http://schemas.openxmlformats.org/drawingml/2006/main" xmlns:r="http://schemas.openxmlformats.org/officeDocument/2006/relationships" xmlns:p="http://schemas.openxmlformats.org/presentationml/2006/main">
   <p:cSld>
     <p:spTree>
@@ -5774,7 +6037,7 @@
             <a:fld id="{25FE67DE-5BF6-49D0-BF7A-76F5E776BCA1}" type="slidenum">
               <a:rPr lang="ko-KR" altLang="en-US" smtClean="0"/>
               <a:pPr/>
-              <a:t>18</a:t>
+              <a:t>19</a:t>
             </a:fld>
             <a:endParaRPr lang="ko-KR" altLang="en-US" dirty="0"/>
           </a:p>
@@ -9357,266 +9620,187 @@
           <a:p>
             <a:r>
               <a:rPr lang="en-US" altLang="ko-KR" dirty="0" smtClean="0"/>
-              <a:t>Clarifying the Task </a:t>
+              <a:t>Progress on Noise Filtering</a:t>
             </a:r>
             <a:endParaRPr lang="ko-KR" altLang="en-US" dirty="0"/>
           </a:p>
         </p:txBody>
       </p:sp>
-      <p:graphicFrame>
-        <p:nvGraphicFramePr>
-          <p:cNvPr id="5" name="Content Placeholder 4"/>
-          <p:cNvGraphicFramePr>
-            <a:graphicFrameLocks noGrp="1"/>
-          </p:cNvGraphicFramePr>
+      <p:sp>
+        <p:nvSpPr>
+          <p:cNvPr id="3" name="Content Placeholder 2"/>
+          <p:cNvSpPr>
+            <a:spLocks noGrp="1"/>
+          </p:cNvSpPr>
           <p:nvPr>
             <p:ph idx="1"/>
-            <p:extLst>
-              <p:ext uri="{D42A27DB-BD31-4B8C-83A1-F6EECF244321}">
-                <p14:modId xmlns:p14="http://schemas.microsoft.com/office/powerpoint/2010/main" val="2911115044"/>
-              </p:ext>
-            </p:extLst>
-          </p:nvPr>
-        </p:nvGraphicFramePr>
-        <p:xfrm>
-          <a:off x="628650" y="1953419"/>
-          <a:ext cx="7886700" cy="2951162"/>
-        </p:xfrm>
-        <a:graphic>
-          <a:graphicData uri="http://schemas.openxmlformats.org/drawingml/2006/table">
-            <a:tbl>
-              <a:tblPr bandRow="1">
-                <a:tableStyleId>{5940675A-B579-460E-94D1-54222C63F5DA}</a:tableStyleId>
-              </a:tblPr>
-              <a:tblGrid>
-                <a:gridCol w="7886700">
-                  <a:extLst>
-                    <a:ext uri="{9D8B030D-6E8A-4147-A177-3AD203B41FA5}">
-                      <a16:colId xmlns:a16="http://schemas.microsoft.com/office/drawing/2014/main" val="560798454"/>
-                    </a:ext>
-                  </a:extLst>
-                </a:gridCol>
-              </a:tblGrid>
-              <a:tr h="532849">
-                <a:tc>
-                  <a:txBody>
-                    <a:bodyPr/>
-                    <a:lstStyle/>
-                    <a:p>
-                      <a:pPr latinLnBrk="1"/>
-                      <a:r>
-                        <a:rPr lang="en-US" altLang="ko-KR" sz="2000" dirty="0" smtClean="0">
-                          <a:latin typeface="Arial" panose="020B0604020202020204" pitchFamily="34" charset="0"/>
-                          <a:cs typeface="Arial" panose="020B0604020202020204" pitchFamily="34" charset="0"/>
-                        </a:rPr>
-                        <a:t>Dataset used for</a:t>
-                      </a:r>
-                      <a:r>
-                        <a:rPr lang="en-US" altLang="ko-KR" sz="2000" baseline="0" dirty="0" smtClean="0">
-                          <a:latin typeface="Arial" panose="020B0604020202020204" pitchFamily="34" charset="0"/>
-                          <a:cs typeface="Arial" panose="020B0604020202020204" pitchFamily="34" charset="0"/>
-                        </a:rPr>
-                        <a:t> </a:t>
-                      </a:r>
-                      <a:r>
-                        <a:rPr lang="en-US" altLang="ko-KR" sz="2000" dirty="0" smtClean="0">
-                          <a:latin typeface="Arial" panose="020B0604020202020204" pitchFamily="34" charset="0"/>
-                          <a:cs typeface="Arial" panose="020B0604020202020204" pitchFamily="34" charset="0"/>
-                        </a:rPr>
-                        <a:t>training? </a:t>
-                      </a:r>
-                      <a:endParaRPr lang="ko-KR" altLang="en-US" sz="2000" dirty="0">
-                        <a:latin typeface="Arial" panose="020B0604020202020204" pitchFamily="34" charset="0"/>
-                        <a:cs typeface="Arial" panose="020B0604020202020204" pitchFamily="34" charset="0"/>
-                      </a:endParaRPr>
-                    </a:p>
-                  </a:txBody>
-                  <a:tcPr anchor="ctr"/>
-                </a:tc>
-                <a:extLst>
-                  <a:ext uri="{0D108BD9-81ED-4DB2-BD59-A6C34878D82A}">
-                    <a16:rowId xmlns:a16="http://schemas.microsoft.com/office/drawing/2014/main" val="2775554180"/>
-                  </a:ext>
-                </a:extLst>
-              </a:tr>
-              <a:tr h="942732">
-                <a:tc>
-                  <a:txBody>
-                    <a:bodyPr/>
-                    <a:lstStyle/>
-                    <a:p>
-                      <a:pPr latinLnBrk="1"/>
-                      <a:r>
-                        <a:rPr lang="en-US" altLang="ko-KR" sz="2000" dirty="0" smtClean="0">
-                          <a:latin typeface="Arial" panose="020B0604020202020204" pitchFamily="34" charset="0"/>
-                          <a:cs typeface="Arial" panose="020B0604020202020204" pitchFamily="34" charset="0"/>
-                        </a:rPr>
-                        <a:t>What kind of dataset will be used?</a:t>
-                      </a:r>
-                    </a:p>
-                    <a:p>
-                      <a:pPr latinLnBrk="1"/>
-                      <a:r>
-                        <a:rPr lang="en-US" altLang="ko-KR" sz="2000" dirty="0" smtClean="0">
-                          <a:latin typeface="Arial" panose="020B0604020202020204" pitchFamily="34" charset="0"/>
-                          <a:cs typeface="Arial" panose="020B0604020202020204" pitchFamily="34" charset="0"/>
-                        </a:rPr>
-                        <a:t>    Mobile data /</a:t>
-                      </a:r>
-                      <a:r>
-                        <a:rPr lang="en-US" altLang="ko-KR" sz="2000" baseline="0" dirty="0" smtClean="0">
-                          <a:latin typeface="Arial" panose="020B0604020202020204" pitchFamily="34" charset="0"/>
-                          <a:cs typeface="Arial" panose="020B0604020202020204" pitchFamily="34" charset="0"/>
-                        </a:rPr>
-                        <a:t> </a:t>
-                      </a:r>
-                      <a:r>
-                        <a:rPr lang="en-US" altLang="ko-KR" sz="2000" dirty="0" smtClean="0">
-                          <a:latin typeface="Arial" panose="020B0604020202020204" pitchFamily="34" charset="0"/>
-                          <a:cs typeface="Arial" panose="020B0604020202020204" pitchFamily="34" charset="0"/>
-                        </a:rPr>
-                        <a:t>airborne lasers /</a:t>
-                      </a:r>
-                      <a:r>
-                        <a:rPr lang="en-US" altLang="ko-KR" sz="2000" baseline="0" dirty="0" smtClean="0">
-                          <a:latin typeface="Arial" panose="020B0604020202020204" pitchFamily="34" charset="0"/>
-                          <a:cs typeface="Arial" panose="020B0604020202020204" pitchFamily="34" charset="0"/>
-                        </a:rPr>
-                        <a:t> </a:t>
-                      </a:r>
-                      <a:r>
-                        <a:rPr lang="en-US" altLang="ko-KR" sz="2000" dirty="0" smtClean="0">
-                          <a:latin typeface="Arial" panose="020B0604020202020204" pitchFamily="34" charset="0"/>
-                          <a:cs typeface="Arial" panose="020B0604020202020204" pitchFamily="34" charset="0"/>
-                        </a:rPr>
-                        <a:t>hybrid dataset mixture of both.</a:t>
-                      </a:r>
-                      <a:endParaRPr lang="ko-KR" altLang="en-US" sz="2000" dirty="0">
-                        <a:latin typeface="Arial" panose="020B0604020202020204" pitchFamily="34" charset="0"/>
-                        <a:cs typeface="Arial" panose="020B0604020202020204" pitchFamily="34" charset="0"/>
-                      </a:endParaRPr>
-                    </a:p>
-                  </a:txBody>
-                  <a:tcPr anchor="ctr"/>
-                </a:tc>
-                <a:extLst>
-                  <a:ext uri="{0D108BD9-81ED-4DB2-BD59-A6C34878D82A}">
-                    <a16:rowId xmlns:a16="http://schemas.microsoft.com/office/drawing/2014/main" val="2844363751"/>
-                  </a:ext>
-                </a:extLst>
-              </a:tr>
-              <a:tr h="942732">
-                <a:tc>
-                  <a:txBody>
-                    <a:bodyPr/>
-                    <a:lstStyle/>
-                    <a:p>
-                      <a:pPr latinLnBrk="1"/>
-                      <a:r>
-                        <a:rPr lang="en-US" altLang="ko-KR" sz="2000" dirty="0" smtClean="0">
-                          <a:latin typeface="Arial" panose="020B0604020202020204" pitchFamily="34" charset="0"/>
-                          <a:cs typeface="Arial" panose="020B0604020202020204" pitchFamily="34" charset="0"/>
-                        </a:rPr>
-                        <a:t>What kind of environment?</a:t>
-                      </a:r>
-                    </a:p>
-                    <a:p>
-                      <a:pPr latinLnBrk="1"/>
-                      <a:r>
-                        <a:rPr lang="en-US" altLang="ko-KR" sz="2000" dirty="0" smtClean="0">
-                          <a:latin typeface="Arial" panose="020B0604020202020204" pitchFamily="34" charset="0"/>
-                          <a:cs typeface="Arial" panose="020B0604020202020204" pitchFamily="34" charset="0"/>
-                        </a:rPr>
-                        <a:t>    Indoor /</a:t>
-                      </a:r>
-                      <a:r>
-                        <a:rPr lang="en-US" altLang="ko-KR" sz="2000" baseline="0" dirty="0" smtClean="0">
-                          <a:latin typeface="Arial" panose="020B0604020202020204" pitchFamily="34" charset="0"/>
-                          <a:cs typeface="Arial" panose="020B0604020202020204" pitchFamily="34" charset="0"/>
-                        </a:rPr>
-                        <a:t> </a:t>
-                      </a:r>
-                      <a:r>
-                        <a:rPr lang="en-US" altLang="ko-KR" sz="2000" dirty="0" smtClean="0">
-                          <a:latin typeface="Arial" panose="020B0604020202020204" pitchFamily="34" charset="0"/>
-                          <a:cs typeface="Arial" panose="020B0604020202020204" pitchFamily="34" charset="0"/>
-                        </a:rPr>
-                        <a:t>Outdoor or</a:t>
-                      </a:r>
-                      <a:r>
-                        <a:rPr lang="en-US" altLang="ko-KR" sz="2000" baseline="0" dirty="0" smtClean="0">
-                          <a:latin typeface="Arial" panose="020B0604020202020204" pitchFamily="34" charset="0"/>
-                          <a:cs typeface="Arial" panose="020B0604020202020204" pitchFamily="34" charset="0"/>
-                        </a:rPr>
-                        <a:t> </a:t>
-                      </a:r>
-                      <a:r>
-                        <a:rPr lang="en-US" altLang="ko-KR" sz="2000" dirty="0" smtClean="0">
-                          <a:latin typeface="Arial" panose="020B0604020202020204" pitchFamily="34" charset="0"/>
-                          <a:cs typeface="Arial" panose="020B0604020202020204" pitchFamily="34" charset="0"/>
-                        </a:rPr>
-                        <a:t>Urban / Rural /</a:t>
-                      </a:r>
-                      <a:r>
-                        <a:rPr lang="en-US" altLang="ko-KR" sz="2000" baseline="0" dirty="0" smtClean="0">
-                          <a:latin typeface="Arial" panose="020B0604020202020204" pitchFamily="34" charset="0"/>
-                          <a:cs typeface="Arial" panose="020B0604020202020204" pitchFamily="34" charset="0"/>
-                        </a:rPr>
-                        <a:t> </a:t>
-                      </a:r>
-                      <a:r>
-                        <a:rPr lang="en-US" altLang="ko-KR" sz="2000" dirty="0" smtClean="0">
-                          <a:latin typeface="Arial" panose="020B0604020202020204" pitchFamily="34" charset="0"/>
-                          <a:cs typeface="Arial" panose="020B0604020202020204" pitchFamily="34" charset="0"/>
-                        </a:rPr>
-                        <a:t>Forest</a:t>
-                      </a:r>
-                      <a:endParaRPr lang="ko-KR" altLang="en-US" sz="2000" dirty="0">
-                        <a:latin typeface="Arial" panose="020B0604020202020204" pitchFamily="34" charset="0"/>
-                        <a:cs typeface="Arial" panose="020B0604020202020204" pitchFamily="34" charset="0"/>
-                      </a:endParaRPr>
-                    </a:p>
-                  </a:txBody>
-                  <a:tcPr anchor="ctr"/>
-                </a:tc>
-                <a:extLst>
-                  <a:ext uri="{0D108BD9-81ED-4DB2-BD59-A6C34878D82A}">
-                    <a16:rowId xmlns:a16="http://schemas.microsoft.com/office/drawing/2014/main" val="1615479227"/>
-                  </a:ext>
-                </a:extLst>
-              </a:tr>
-              <a:tr h="532849">
-                <a:tc>
-                  <a:txBody>
-                    <a:bodyPr/>
-                    <a:lstStyle/>
-                    <a:p>
-                      <a:pPr latinLnBrk="1"/>
-                      <a:r>
-                        <a:rPr lang="en-US" altLang="ko-KR" sz="2000" dirty="0" smtClean="0">
-                          <a:latin typeface="Arial" panose="020B0604020202020204" pitchFamily="34" charset="0"/>
-                          <a:cs typeface="Arial" panose="020B0604020202020204" pitchFamily="34" charset="0"/>
-                        </a:rPr>
-                        <a:t>Which object classes?</a:t>
-                      </a:r>
-                      <a:endParaRPr lang="ko-KR" altLang="en-US" sz="2000" dirty="0">
-                        <a:latin typeface="Arial" panose="020B0604020202020204" pitchFamily="34" charset="0"/>
-                        <a:cs typeface="Arial" panose="020B0604020202020204" pitchFamily="34" charset="0"/>
-                      </a:endParaRPr>
-                    </a:p>
-                  </a:txBody>
-                  <a:tcPr anchor="ctr"/>
-                </a:tc>
-                <a:extLst>
-                  <a:ext uri="{0D108BD9-81ED-4DB2-BD59-A6C34878D82A}">
-                    <a16:rowId xmlns:a16="http://schemas.microsoft.com/office/drawing/2014/main" val="2057975646"/>
-                  </a:ext>
-                </a:extLst>
-              </a:tr>
-            </a:tbl>
-          </a:graphicData>
-        </a:graphic>
-      </p:graphicFrame>
+          </p:nvPr>
+        </p:nvSpPr>
+        <p:spPr/>
+        <p:txBody>
+          <a:bodyPr/>
+          <a:lstStyle/>
+          <a:p>
+            <a:r>
+              <a:rPr lang="en-US" altLang="ko-KR" dirty="0"/>
+              <a:t>Atmospheric noise </a:t>
+            </a:r>
+            <a:r>
+              <a:rPr lang="en-US" altLang="ko-KR" dirty="0" smtClean="0"/>
+              <a:t>filtering</a:t>
+            </a:r>
+          </a:p>
+          <a:p>
+            <a:pPr lvl="1"/>
+            <a:r>
+              <a:rPr lang="en-US" altLang="ko-KR" dirty="0"/>
+              <a:t>Noise filtering</a:t>
+            </a:r>
+            <a:br>
+              <a:rPr lang="en-US" altLang="ko-KR" dirty="0"/>
+            </a:br>
+            <a:r>
+              <a:rPr lang="en-US" altLang="ko-KR" dirty="0"/>
+              <a:t>Segmentation of raw point cloud using </a:t>
+            </a:r>
+            <a:r>
+              <a:rPr lang="en-US" altLang="ko-KR" dirty="0" err="1" smtClean="0"/>
+              <a:t>voxelization</a:t>
+            </a:r>
+            <a:r>
+              <a:rPr lang="en-US" altLang="ko-KR" dirty="0"/>
+              <a:t/>
+            </a:r>
+            <a:br>
+              <a:rPr lang="en-US" altLang="ko-KR" dirty="0"/>
+            </a:br>
+            <a:r>
+              <a:rPr lang="en-US" altLang="ko-KR" dirty="0"/>
+              <a:t>Pre-classification by defining special </a:t>
+            </a:r>
+            <a:r>
+              <a:rPr lang="en-US" altLang="ko-KR" dirty="0" smtClean="0"/>
+              <a:t>rules</a:t>
+            </a:r>
+          </a:p>
+          <a:p>
+            <a:pPr lvl="1"/>
+            <a:r>
+              <a:rPr lang="en-US" altLang="ko-KR" dirty="0"/>
+              <a:t>Feature extraction</a:t>
+            </a:r>
+            <a:br>
+              <a:rPr lang="en-US" altLang="ko-KR" dirty="0"/>
+            </a:br>
+            <a:r>
+              <a:rPr lang="en-US" altLang="ko-KR" dirty="0"/>
+              <a:t>Using Eigen library and </a:t>
+            </a:r>
+            <a:r>
+              <a:rPr lang="en-US" altLang="ko-KR" dirty="0" smtClean="0"/>
+              <a:t>programming</a:t>
+            </a:r>
+          </a:p>
+          <a:p>
+            <a:pPr lvl="1"/>
+            <a:r>
+              <a:rPr lang="en-US" altLang="ko-KR" dirty="0"/>
+              <a:t>Classification sing SVM</a:t>
+            </a:r>
+            <a:br>
+              <a:rPr lang="en-US" altLang="ko-KR" dirty="0"/>
+            </a:br>
+            <a:r>
+              <a:rPr lang="en-US" altLang="ko-KR" dirty="0"/>
+              <a:t>Using “</a:t>
+            </a:r>
+            <a:r>
+              <a:rPr lang="en-US" altLang="ko-KR" dirty="0" err="1"/>
+              <a:t>libSVM</a:t>
+            </a:r>
+            <a:r>
+              <a:rPr lang="en-US" altLang="ko-KR" dirty="0" smtClean="0"/>
+              <a:t>”</a:t>
+            </a:r>
+          </a:p>
+          <a:p>
+            <a:pPr lvl="1"/>
+            <a:endParaRPr lang="en-US" altLang="ko-KR" dirty="0"/>
+          </a:p>
+          <a:p>
+            <a:r>
+              <a:rPr lang="en-US" altLang="ko-KR" dirty="0"/>
+              <a:t>Understanding PCL and </a:t>
+            </a:r>
+            <a:r>
+              <a:rPr lang="en-US" altLang="ko-KR" dirty="0" err="1" smtClean="0"/>
+              <a:t>voxelization</a:t>
+            </a:r>
+            <a:endParaRPr lang="en-US" altLang="ko-KR" dirty="0" smtClean="0"/>
+          </a:p>
+          <a:p>
+            <a:pPr lvl="1"/>
+            <a:r>
+              <a:rPr lang="en-US" altLang="ko-KR" dirty="0"/>
+              <a:t>PCL</a:t>
+            </a:r>
+            <a:br>
+              <a:rPr lang="en-US" altLang="ko-KR" dirty="0"/>
+            </a:br>
+            <a:r>
+              <a:rPr lang="en-US" altLang="ko-KR" dirty="0"/>
+              <a:t>A</a:t>
+            </a:r>
+            <a:r>
+              <a:rPr lang="en-US" altLang="ko-KR" dirty="0" smtClean="0"/>
+              <a:t> </a:t>
+            </a:r>
+            <a:r>
+              <a:rPr lang="en-US" altLang="ko-KR" dirty="0"/>
+              <a:t>large scale, open project for 2D/3D image and point cloud </a:t>
+            </a:r>
+            <a:r>
+              <a:rPr lang="en-US" altLang="ko-KR" dirty="0" smtClean="0"/>
+              <a:t>processing. </a:t>
+            </a:r>
+            <a:r>
+              <a:rPr lang="en-US" altLang="ko-KR" dirty="0"/>
+              <a:t>However, there is no PCL in noise filtering </a:t>
+            </a:r>
+            <a:r>
+              <a:rPr lang="en-US" altLang="ko-KR" dirty="0" smtClean="0"/>
+              <a:t>application</a:t>
+            </a:r>
+          </a:p>
+          <a:p>
+            <a:pPr lvl="1"/>
+            <a:r>
+              <a:rPr lang="en-US" altLang="ko-KR" dirty="0" err="1"/>
+              <a:t>Voxelization</a:t>
+            </a:r>
+            <a:r>
+              <a:rPr lang="en-US" altLang="ko-KR" dirty="0"/>
+              <a:t/>
+            </a:r>
+            <a:br>
+              <a:rPr lang="en-US" altLang="ko-KR" dirty="0"/>
+            </a:br>
+            <a:r>
+              <a:rPr lang="en-US" altLang="ko-KR" dirty="0"/>
+              <a:t>A</a:t>
+            </a:r>
+            <a:r>
+              <a:rPr lang="en-US" altLang="ko-KR" dirty="0" smtClean="0"/>
+              <a:t> </a:t>
+            </a:r>
+            <a:r>
+              <a:rPr lang="en-US" altLang="ko-KR" dirty="0"/>
+              <a:t>data structure used to represent a collection of multi-dimensional points and is commonly used to represent three-dimensional data</a:t>
+            </a:r>
+            <a:endParaRPr lang="ko-KR" altLang="en-US" dirty="0"/>
+          </a:p>
+        </p:txBody>
+      </p:sp>
       <p:sp>
         <p:nvSpPr>
           <p:cNvPr id="4" name="Slide Number Placeholder 3"/>
@@ -9641,10 +9825,76 @@
           </a:p>
         </p:txBody>
       </p:sp>
+      <p:sp>
+        <p:nvSpPr>
+          <p:cNvPr id="5" name="Rectangle 4">
+            <a:extLst>
+              <a:ext uri="{FF2B5EF4-FFF2-40B4-BE49-F238E27FC236}">
+                <a16:creationId xmlns:a16="http://schemas.microsoft.com/office/drawing/2014/main" id="{F46C25DC-82FF-45C6-AB3E-95895EF5AE88}"/>
+              </a:ext>
+            </a:extLst>
+          </p:cNvPr>
+          <p:cNvSpPr/>
+          <p:nvPr/>
+        </p:nvSpPr>
+        <p:spPr>
+          <a:xfrm>
+            <a:off x="7630017" y="726543"/>
+            <a:ext cx="1224000" cy="288000"/>
+          </a:xfrm>
+          <a:prstGeom prst="rect">
+            <a:avLst/>
+          </a:prstGeom>
+          <a:noFill/>
+          <a:ln>
+            <a:solidFill>
+              <a:srgbClr val="0000FF"/>
+            </a:solidFill>
+          </a:ln>
+        </p:spPr>
+        <p:style>
+          <a:lnRef idx="2">
+            <a:schemeClr val="accent1">
+              <a:shade val="50000"/>
+            </a:schemeClr>
+          </a:lnRef>
+          <a:fillRef idx="1">
+            <a:schemeClr val="accent1"/>
+          </a:fillRef>
+          <a:effectRef idx="0">
+            <a:schemeClr val="accent1"/>
+          </a:effectRef>
+          <a:fontRef idx="minor">
+            <a:schemeClr val="lt1"/>
+          </a:fontRef>
+        </p:style>
+        <p:txBody>
+          <a:bodyPr rtlCol="0" anchor="ctr"/>
+          <a:lstStyle/>
+          <a:p>
+            <a:pPr algn="ctr"/>
+            <a:r>
+              <a:rPr lang="en-US" altLang="ko-KR" sz="1400" dirty="0" err="1" smtClean="0">
+                <a:solidFill>
+                  <a:schemeClr val="tx1"/>
+                </a:solidFill>
+                <a:latin typeface="MS Reference Sans Serif" panose="020B0604030504040204" pitchFamily="34" charset="0"/>
+              </a:rPr>
+              <a:t>Razieh</a:t>
+            </a:r>
+            <a:endParaRPr lang="ko-KR" altLang="en-US" sz="1400" dirty="0">
+              <a:solidFill>
+                <a:schemeClr val="tx1"/>
+              </a:solidFill>
+              <a:latin typeface="MS Reference Sans Serif" panose="020B0604030504040204" pitchFamily="34" charset="0"/>
+            </a:endParaRPr>
+          </a:p>
+        </p:txBody>
+      </p:sp>
     </p:spTree>
     <p:extLst>
       <p:ext uri="{BB962C8B-B14F-4D97-AF65-F5344CB8AC3E}">
-        <p14:creationId xmlns:p14="http://schemas.microsoft.com/office/powerpoint/2010/main" val="589026820"/>
+        <p14:creationId xmlns:p14="http://schemas.microsoft.com/office/powerpoint/2010/main" val="239026060"/>
       </p:ext>
     </p:extLst>
   </p:cSld>
